--- a/problem_statement/Challenge Problem 7-v1.pptx
+++ b/problem_statement/Challenge Problem 7-v1.pptx
@@ -123,6 +123,22 @@
       </a:defRPr>
     </a:lvl9pPr>
   </p:defaultTextStyle>
+  <p:extLst>
+    <p:ext uri="{EFAFB233-063F-42B5-8137-9DF3F51BA10A}">
+      <p15:sldGuideLst xmlns:p15="http://schemas.microsoft.com/office/powerpoint/2012/main">
+        <p15:guide id="1" orient="horz" pos="2160">
+          <p15:clr>
+            <a:srgbClr val="A4A3A4"/>
+          </p15:clr>
+        </p15:guide>
+        <p15:guide id="2" pos="2880">
+          <p15:clr>
+            <a:srgbClr val="A4A3A4"/>
+          </p15:clr>
+        </p15:guide>
+      </p15:sldGuideLst>
+    </p:ext>
+  </p:extLst>
 </p:presentation>
 </file>
 
@@ -506,11 +522,11 @@
           <c:showPercent val="0"/>
           <c:showBubbleSize val="0"/>
         </c:dLbls>
-        <c:axId val="79043584"/>
-        <c:axId val="91820416"/>
+        <c:axId val="181215872"/>
+        <c:axId val="181216432"/>
       </c:scatterChart>
       <c:valAx>
-        <c:axId val="79043584"/>
+        <c:axId val="181215872"/>
         <c:scaling>
           <c:orientation val="minMax"/>
         </c:scaling>
@@ -520,12 +536,12 @@
         <c:majorTickMark val="out"/>
         <c:minorTickMark val="none"/>
         <c:tickLblPos val="nextTo"/>
-        <c:crossAx val="91820416"/>
+        <c:crossAx val="181216432"/>
         <c:crosses val="autoZero"/>
         <c:crossBetween val="midCat"/>
       </c:valAx>
       <c:valAx>
-        <c:axId val="91820416"/>
+        <c:axId val="181216432"/>
         <c:scaling>
           <c:orientation val="minMax"/>
         </c:scaling>
@@ -561,7 +577,7 @@
         <c:majorTickMark val="out"/>
         <c:minorTickMark val="none"/>
         <c:tickLblPos val="nextTo"/>
-        <c:crossAx val="79043584"/>
+        <c:crossAx val="181215872"/>
         <c:crosses val="autoZero"/>
         <c:crossBetween val="midCat"/>
       </c:valAx>
@@ -659,7 +675,7 @@
             <a:fld id="{9E6BD383-960F-4311-92C8-B2CD992ECA1E}" type="datetimeFigureOut">
               <a:rPr lang="en-US" smtClean="0"/>
               <a:pPr/>
-              <a:t>1/17/2016</a:t>
+              <a:t>1/18/2016</a:t>
             </a:fld>
             <a:endParaRPr lang="en-US"/>
           </a:p>
@@ -928,6 +944,981 @@
 </p:notesMaster>
 </file>
 
+<file path=ppt/notesSlides/notesSlide1.xml><?xml version="1.0" encoding="utf-8"?>
+<p:notes xmlns:a="http://schemas.openxmlformats.org/drawingml/2006/main" xmlns:r="http://schemas.openxmlformats.org/officeDocument/2006/relationships" xmlns:p="http://schemas.openxmlformats.org/presentationml/2006/main">
+  <p:cSld>
+    <p:spTree>
+      <p:nvGrpSpPr>
+        <p:cNvPr id="1" name=""/>
+        <p:cNvGrpSpPr/>
+        <p:nvPr/>
+      </p:nvGrpSpPr>
+      <p:grpSpPr>
+        <a:xfrm>
+          <a:off x="0" y="0"/>
+          <a:ext cx="0" cy="0"/>
+          <a:chOff x="0" y="0"/>
+          <a:chExt cx="0" cy="0"/>
+        </a:xfrm>
+      </p:grpSpPr>
+      <p:sp>
+        <p:nvSpPr>
+          <p:cNvPr id="2" name="Slide Image Placeholder 1"/>
+          <p:cNvSpPr>
+            <a:spLocks noGrp="1" noRot="1" noChangeAspect="1"/>
+          </p:cNvSpPr>
+          <p:nvPr>
+            <p:ph type="sldImg"/>
+          </p:nvPr>
+        </p:nvSpPr>
+        <p:spPr/>
+      </p:sp>
+      <p:sp>
+        <p:nvSpPr>
+          <p:cNvPr id="3" name="Notes Placeholder 2"/>
+          <p:cNvSpPr>
+            <a:spLocks noGrp="1"/>
+          </p:cNvSpPr>
+          <p:nvPr>
+            <p:ph type="body" idx="1"/>
+          </p:nvPr>
+        </p:nvSpPr>
+        <p:spPr/>
+        <p:txBody>
+          <a:bodyPr/>
+          <a:lstStyle/>
+          <a:p>
+            <a:r>
+              <a:rPr lang="en-US" baseline="0" dirty="0" smtClean="0"/>
+              <a:t>Title: change from county to district</a:t>
+            </a:r>
+            <a:endParaRPr lang="en-US" dirty="0" smtClean="0"/>
+          </a:p>
+          <a:p>
+            <a:r>
+              <a:rPr lang="en-US" baseline="0" dirty="0" smtClean="0"/>
+              <a:t>First bullet: change from County-level to State-level</a:t>
+            </a:r>
+            <a:endParaRPr lang="en-US" dirty="0"/>
+          </a:p>
+        </p:txBody>
+      </p:sp>
+      <p:sp>
+        <p:nvSpPr>
+          <p:cNvPr id="4" name="Slide Number Placeholder 3"/>
+          <p:cNvSpPr>
+            <a:spLocks noGrp="1"/>
+          </p:cNvSpPr>
+          <p:nvPr>
+            <p:ph type="sldNum" sz="quarter" idx="10"/>
+          </p:nvPr>
+        </p:nvSpPr>
+        <p:spPr/>
+        <p:txBody>
+          <a:bodyPr/>
+          <a:lstStyle/>
+          <a:p>
+            <a:fld id="{832CC242-A0D7-4B80-A96C-75E8B1ABCB20}" type="slidenum">
+              <a:rPr lang="en-US" smtClean="0"/>
+              <a:pPr/>
+              <a:t>5</a:t>
+            </a:fld>
+            <a:endParaRPr lang="en-US"/>
+          </a:p>
+        </p:txBody>
+      </p:sp>
+    </p:spTree>
+    <p:extLst>
+      <p:ext uri="{BB962C8B-B14F-4D97-AF65-F5344CB8AC3E}">
+        <p14:creationId xmlns:p14="http://schemas.microsoft.com/office/powerpoint/2010/main" val="1549962292"/>
+      </p:ext>
+    </p:extLst>
+  </p:cSld>
+  <p:clrMapOvr>
+    <a:masterClrMapping/>
+  </p:clrMapOvr>
+</p:notes>
+</file>
+
+<file path=ppt/notesSlides/notesSlide2.xml><?xml version="1.0" encoding="utf-8"?>
+<p:notes xmlns:a="http://schemas.openxmlformats.org/drawingml/2006/main" xmlns:r="http://schemas.openxmlformats.org/officeDocument/2006/relationships" xmlns:p="http://schemas.openxmlformats.org/presentationml/2006/main">
+  <p:cSld>
+    <p:spTree>
+      <p:nvGrpSpPr>
+        <p:cNvPr id="1" name=""/>
+        <p:cNvGrpSpPr/>
+        <p:nvPr/>
+      </p:nvGrpSpPr>
+      <p:grpSpPr>
+        <a:xfrm>
+          <a:off x="0" y="0"/>
+          <a:ext cx="0" cy="0"/>
+          <a:chOff x="0" y="0"/>
+          <a:chExt cx="0" cy="0"/>
+        </a:xfrm>
+      </p:grpSpPr>
+      <p:sp>
+        <p:nvSpPr>
+          <p:cNvPr id="2" name="Slide Image Placeholder 1"/>
+          <p:cNvSpPr>
+            <a:spLocks noGrp="1" noRot="1" noChangeAspect="1"/>
+          </p:cNvSpPr>
+          <p:nvPr>
+            <p:ph type="sldImg"/>
+          </p:nvPr>
+        </p:nvSpPr>
+        <p:spPr/>
+      </p:sp>
+      <p:sp>
+        <p:nvSpPr>
+          <p:cNvPr id="3" name="Notes Placeholder 2"/>
+          <p:cNvSpPr>
+            <a:spLocks noGrp="1"/>
+          </p:cNvSpPr>
+          <p:nvPr>
+            <p:ph type="body" idx="1"/>
+          </p:nvPr>
+        </p:nvSpPr>
+        <p:spPr/>
+        <p:txBody>
+          <a:bodyPr/>
+          <a:lstStyle/>
+          <a:p>
+            <a:r>
+              <a:rPr lang="en-US" dirty="0" smtClean="0"/>
+              <a:t>Remove “</a:t>
+            </a:r>
+            <a:r>
+              <a:rPr lang="en-US" dirty="0" smtClean="0"/>
+              <a:t>; no multiple tweets from same user within 5 days”</a:t>
+            </a:r>
+            <a:r>
+              <a:rPr lang="en-US" baseline="0" dirty="0" smtClean="0"/>
+              <a:t> since this hasn’t been done for the current data.</a:t>
+            </a:r>
+            <a:endParaRPr lang="en-US" dirty="0"/>
+          </a:p>
+        </p:txBody>
+      </p:sp>
+      <p:sp>
+        <p:nvSpPr>
+          <p:cNvPr id="4" name="Slide Number Placeholder 3"/>
+          <p:cNvSpPr>
+            <a:spLocks noGrp="1"/>
+          </p:cNvSpPr>
+          <p:nvPr>
+            <p:ph type="sldNum" sz="quarter" idx="10"/>
+          </p:nvPr>
+        </p:nvSpPr>
+        <p:spPr/>
+        <p:txBody>
+          <a:bodyPr/>
+          <a:lstStyle/>
+          <a:p>
+            <a:fld id="{832CC242-A0D7-4B80-A96C-75E8B1ABCB20}" type="slidenum">
+              <a:rPr lang="en-US" smtClean="0"/>
+              <a:pPr/>
+              <a:t>6</a:t>
+            </a:fld>
+            <a:endParaRPr lang="en-US"/>
+          </a:p>
+        </p:txBody>
+      </p:sp>
+    </p:spTree>
+    <p:extLst>
+      <p:ext uri="{BB962C8B-B14F-4D97-AF65-F5344CB8AC3E}">
+        <p14:creationId xmlns:p14="http://schemas.microsoft.com/office/powerpoint/2010/main" val="18934759"/>
+      </p:ext>
+    </p:extLst>
+  </p:cSld>
+  <p:clrMapOvr>
+    <a:masterClrMapping/>
+  </p:clrMapOvr>
+</p:notes>
+</file>
+
+<file path=ppt/notesSlides/notesSlide3.xml><?xml version="1.0" encoding="utf-8"?>
+<p:notes xmlns:a="http://schemas.openxmlformats.org/drawingml/2006/main" xmlns:r="http://schemas.openxmlformats.org/officeDocument/2006/relationships" xmlns:p="http://schemas.openxmlformats.org/presentationml/2006/main">
+  <p:cSld>
+    <p:spTree>
+      <p:nvGrpSpPr>
+        <p:cNvPr id="1" name=""/>
+        <p:cNvGrpSpPr/>
+        <p:nvPr/>
+      </p:nvGrpSpPr>
+      <p:grpSpPr>
+        <a:xfrm>
+          <a:off x="0" y="0"/>
+          <a:ext cx="0" cy="0"/>
+          <a:chOff x="0" y="0"/>
+          <a:chExt cx="0" cy="0"/>
+        </a:xfrm>
+      </p:grpSpPr>
+      <p:sp>
+        <p:nvSpPr>
+          <p:cNvPr id="2" name="Slide Image Placeholder 1"/>
+          <p:cNvSpPr>
+            <a:spLocks noGrp="1" noRot="1" noChangeAspect="1"/>
+          </p:cNvSpPr>
+          <p:nvPr>
+            <p:ph type="sldImg"/>
+          </p:nvPr>
+        </p:nvSpPr>
+        <p:spPr/>
+      </p:sp>
+      <mc:AlternateContent xmlns:mc="http://schemas.openxmlformats.org/markup-compatibility/2006">
+        <mc:Choice xmlns:a14="http://schemas.microsoft.com/office/drawing/2010/main" Requires="a14">
+          <p:sp>
+            <p:nvSpPr>
+              <p:cNvPr id="3" name="Notes Placeholder 2"/>
+              <p:cNvSpPr>
+                <a:spLocks noGrp="1"/>
+              </p:cNvSpPr>
+              <p:nvPr>
+                <p:ph type="body" idx="1"/>
+              </p:nvPr>
+            </p:nvSpPr>
+            <p:spPr/>
+            <p:txBody>
+              <a:bodyPr/>
+              <a:lstStyle/>
+              <a:p>
+                <a:pPr marL="0" marR="0" indent="0" algn="l" defTabSz="914400" rtl="0" eaLnBrk="1" fontAlgn="auto" latinLnBrk="0" hangingPunct="1">
+                  <a:lnSpc>
+                    <a:spcPct val="100000"/>
+                  </a:lnSpc>
+                  <a:spcBef>
+                    <a:spcPts val="0"/>
+                  </a:spcBef>
+                  <a:spcAft>
+                    <a:spcPts val="0"/>
+                  </a:spcAft>
+                  <a:buClrTx/>
+                  <a:buSzTx/>
+                  <a:buFontTx/>
+                  <a:buNone/>
+                  <a:tabLst/>
+                  <a:defRPr/>
+                </a:pPr>
+                <a:r>
+                  <a:rPr lang="en-US" dirty="0" smtClean="0"/>
+                  <a:t>Change</a:t>
+                </a:r>
+                <a:r>
+                  <a:rPr lang="en-US" baseline="0" dirty="0" smtClean="0"/>
+                  <a:t> from “</a:t>
+                </a:r>
+                <a:r>
+                  <a:rPr lang="en-US" sz="1200" dirty="0" smtClean="0"/>
+                  <a:t>reported ILI rate of HHS Region </a:t>
+                </a:r>
+                <a14:m>
+                  <m:oMath xmlns:m="http://schemas.openxmlformats.org/officeDocument/2006/math">
+                    <m:r>
+                      <a:rPr lang="en-US" sz="1200" i="1" dirty="0" smtClean="0">
+                        <a:latin typeface="Cambria Math"/>
+                      </a:rPr>
+                      <m:t>𝑖</m:t>
+                    </m:r>
+                  </m:oMath>
+                </a14:m>
+                <a:r>
+                  <a:rPr lang="en-US" sz="1200" dirty="0"/>
+                  <a:t> in week </a:t>
+                </a:r>
+                <a14:m>
+                  <m:oMath xmlns:m="http://schemas.openxmlformats.org/officeDocument/2006/math">
+                    <m:r>
+                      <a:rPr lang="en-US" sz="800" i="1" dirty="0" smtClean="0">
+                        <a:latin typeface="Cambria Math"/>
+                      </a:rPr>
+                      <m:t>𝑡</m:t>
+                    </m:r>
+                    <m:r>
+                      <a:rPr lang="en-US" sz="800" b="0" i="0" dirty="0" smtClean="0">
+                        <a:latin typeface="Cambria Math" panose="02040503050406030204" pitchFamily="18" charset="0"/>
+                      </a:rPr>
+                      <m:t>" </m:t>
+                    </m:r>
+                    <m:r>
+                      <m:rPr>
+                        <m:sty m:val="p"/>
+                      </m:rPr>
+                      <a:rPr lang="en-US" sz="800" b="0" i="0" dirty="0" smtClean="0">
+                        <a:latin typeface="Cambria Math" panose="02040503050406030204" pitchFamily="18" charset="0"/>
+                      </a:rPr>
+                      <m:t>to</m:t>
+                    </m:r>
+                    <m:r>
+                      <a:rPr lang="en-US" sz="800" b="0" i="0" dirty="0" smtClean="0">
+                        <a:latin typeface="Cambria Math" panose="02040503050406030204" pitchFamily="18" charset="0"/>
+                      </a:rPr>
+                      <m:t> "</m:t>
+                    </m:r>
+                    <m:r>
+                      <m:rPr>
+                        <m:nor/>
+                      </m:rPr>
+                      <a:rPr lang="en-US" sz="1200" dirty="0" smtClean="0"/>
+                      <m:t>reported</m:t>
+                    </m:r>
+                    <m:r>
+                      <m:rPr>
+                        <m:nor/>
+                      </m:rPr>
+                      <a:rPr lang="en-US" sz="1200" dirty="0" smtClean="0"/>
+                      <m:t> </m:t>
+                    </m:r>
+                    <m:r>
+                      <m:rPr>
+                        <m:nor/>
+                      </m:rPr>
+                      <a:rPr lang="en-US" sz="1200" dirty="0" smtClean="0"/>
+                      <m:t>ILI</m:t>
+                    </m:r>
+                    <m:r>
+                      <m:rPr>
+                        <m:nor/>
+                      </m:rPr>
+                      <a:rPr lang="en-US" sz="1200" dirty="0" smtClean="0"/>
+                      <m:t> </m:t>
+                    </m:r>
+                    <m:r>
+                      <m:rPr>
+                        <m:nor/>
+                      </m:rPr>
+                      <a:rPr lang="en-US" sz="1200" dirty="0" smtClean="0"/>
+                      <m:t>rate</m:t>
+                    </m:r>
+                    <m:r>
+                      <m:rPr>
+                        <m:nor/>
+                      </m:rPr>
+                      <a:rPr lang="en-US" sz="1200" dirty="0" smtClean="0"/>
+                      <m:t> </m:t>
+                    </m:r>
+                    <m:r>
+                      <m:rPr>
+                        <m:nor/>
+                      </m:rPr>
+                      <a:rPr lang="en-US" sz="1200" dirty="0" smtClean="0"/>
+                      <m:t>of</m:t>
+                    </m:r>
+                    <m:r>
+                      <m:rPr>
+                        <m:nor/>
+                      </m:rPr>
+                      <a:rPr lang="en-US" sz="1200" dirty="0" smtClean="0"/>
+                      <m:t> </m:t>
+                    </m:r>
+                    <m:r>
+                      <m:rPr>
+                        <m:nor/>
+                      </m:rPr>
+                      <a:rPr lang="en-US" sz="1200" b="0" i="0" dirty="0" smtClean="0"/>
+                      <m:t>area</m:t>
+                    </m:r>
+                    <m:r>
+                      <m:rPr>
+                        <m:nor/>
+                      </m:rPr>
+                      <a:rPr lang="en-US" sz="1200" dirty="0" smtClean="0"/>
+                      <m:t> </m:t>
+                    </m:r>
+                    <m:r>
+                      <a:rPr lang="en-US" sz="1200" i="1" dirty="0" smtClean="0">
+                        <a:latin typeface="Cambria Math"/>
+                      </a:rPr>
+                      <m:t>𝑖</m:t>
+                    </m:r>
+                    <m:r>
+                      <m:rPr>
+                        <m:nor/>
+                      </m:rPr>
+                      <a:rPr lang="en-US" sz="1200" dirty="0"/>
+                      <m:t> </m:t>
+                    </m:r>
+                    <m:r>
+                      <m:rPr>
+                        <m:nor/>
+                      </m:rPr>
+                      <a:rPr lang="en-US" sz="1200" dirty="0"/>
+                      <m:t>in</m:t>
+                    </m:r>
+                    <m:r>
+                      <m:rPr>
+                        <m:nor/>
+                      </m:rPr>
+                      <a:rPr lang="en-US" sz="1200" dirty="0"/>
+                      <m:t> </m:t>
+                    </m:r>
+                    <m:r>
+                      <m:rPr>
+                        <m:nor/>
+                      </m:rPr>
+                      <a:rPr lang="en-US" sz="1200" dirty="0"/>
+                      <m:t>week</m:t>
+                    </m:r>
+                    <m:r>
+                      <m:rPr>
+                        <m:nor/>
+                      </m:rPr>
+                      <a:rPr lang="en-US" sz="1200" dirty="0"/>
+                      <m:t> </m:t>
+                    </m:r>
+                    <m:r>
+                      <a:rPr lang="en-US" sz="1200" i="1" dirty="0" smtClean="0">
+                        <a:latin typeface="Cambria Math"/>
+                      </a:rPr>
+                      <m:t>𝑡</m:t>
+                    </m:r>
+                  </m:oMath>
+                </a14:m>
+                <a:r>
+                  <a:rPr lang="en-US" sz="1200" dirty="0" smtClean="0"/>
+                  <a:t>”</a:t>
+                </a:r>
+              </a:p>
+              <a:p>
+                <a:pPr marL="0" marR="0" indent="0" algn="l" defTabSz="914400" rtl="0" eaLnBrk="1" fontAlgn="auto" latinLnBrk="0" hangingPunct="1">
+                  <a:lnSpc>
+                    <a:spcPct val="100000"/>
+                  </a:lnSpc>
+                  <a:spcBef>
+                    <a:spcPts val="0"/>
+                  </a:spcBef>
+                  <a:spcAft>
+                    <a:spcPts val="0"/>
+                  </a:spcAft>
+                  <a:buClrTx/>
+                  <a:buSzTx/>
+                  <a:buFontTx/>
+                  <a:buNone/>
+                  <a:tabLst/>
+                  <a:defRPr/>
+                </a:pPr>
+                <a:r>
+                  <a:rPr lang="en-US" sz="1200" dirty="0" smtClean="0"/>
+                  <a:t>Change</a:t>
+                </a:r>
+                <a:r>
+                  <a:rPr lang="en-US" sz="1200" baseline="0" dirty="0" smtClean="0"/>
+                  <a:t> from “</a:t>
+                </a:r>
+                <a:r>
+                  <a:rPr lang="en-US" sz="1200" dirty="0" smtClean="0"/>
+                  <a:t>population of </a:t>
+                </a:r>
+                <a:r>
+                  <a:rPr lang="en-US" sz="1200" dirty="0" smtClean="0"/>
+                  <a:t>region </a:t>
+                </a:r>
+                <a14:m>
+                  <m:oMath xmlns:m="http://schemas.openxmlformats.org/officeDocument/2006/math">
+                    <m:sSub>
+                      <m:sSubPr>
+                        <m:ctrlPr>
+                          <a:rPr lang="en-US" sz="1200" b="0" i="1" dirty="0" smtClean="0">
+                            <a:latin typeface="Cambria Math" panose="02040503050406030204" pitchFamily="18" charset="0"/>
+                          </a:rPr>
+                        </m:ctrlPr>
+                      </m:sSubPr>
+                      <m:e>
+                        <m:r>
+                          <a:rPr lang="en-US" sz="1200" b="0" i="1" dirty="0" smtClean="0">
+                            <a:latin typeface="Cambria Math"/>
+                          </a:rPr>
+                          <m:t>𝑅</m:t>
+                        </m:r>
+                      </m:e>
+                      <m:sub>
+                        <m:r>
+                          <a:rPr lang="en-US" sz="1200" i="1" dirty="0" smtClean="0">
+                            <a:latin typeface="Cambria Math"/>
+                          </a:rPr>
+                          <m:t>𝑖</m:t>
+                        </m:r>
+                      </m:sub>
+                    </m:sSub>
+                  </m:oMath>
+                </a14:m>
+                <a:r>
+                  <a:rPr lang="en-US" sz="1200" dirty="0" smtClean="0"/>
+                  <a:t>” to “population of area</a:t>
+                </a:r>
+                <a:r>
+                  <a:rPr lang="en-US" sz="1200" baseline="0" dirty="0" smtClean="0"/>
+                  <a:t> </a:t>
+                </a:r>
+                <a14:m>
+                  <m:oMath xmlns:m="http://schemas.openxmlformats.org/officeDocument/2006/math">
+                    <m:r>
+                      <a:rPr lang="en-US" sz="1200" i="1" dirty="0" smtClean="0">
+                        <a:latin typeface="Cambria Math"/>
+                      </a:rPr>
+                      <m:t>𝑖</m:t>
+                    </m:r>
+                    <m:r>
+                      <m:rPr>
+                        <m:nor/>
+                      </m:rPr>
+                      <a:rPr lang="en-US" sz="1200" dirty="0"/>
+                      <m:t> </m:t>
+                    </m:r>
+                  </m:oMath>
+                </a14:m>
+                <a:r>
+                  <a:rPr lang="en-US" sz="1200" dirty="0" smtClean="0"/>
+                  <a:t>“</a:t>
+                </a:r>
+                <a:endParaRPr lang="en-US" sz="1200" dirty="0"/>
+              </a:p>
+            </p:txBody>
+          </p:sp>
+        </mc:Choice>
+        <mc:Fallback>
+          <p:sp>
+            <p:nvSpPr>
+              <p:cNvPr id="3" name="Notes Placeholder 2"/>
+              <p:cNvSpPr>
+                <a:spLocks noGrp="1"/>
+              </p:cNvSpPr>
+              <p:nvPr>
+                <p:ph type="body" idx="1"/>
+              </p:nvPr>
+            </p:nvSpPr>
+            <p:spPr/>
+            <p:txBody>
+              <a:bodyPr/>
+              <a:lstStyle/>
+              <a:p>
+                <a:pPr marL="0" marR="0" indent="0" algn="l" defTabSz="914400" rtl="0" eaLnBrk="1" fontAlgn="auto" latinLnBrk="0" hangingPunct="1">
+                  <a:lnSpc>
+                    <a:spcPct val="100000"/>
+                  </a:lnSpc>
+                  <a:spcBef>
+                    <a:spcPts val="0"/>
+                  </a:spcBef>
+                  <a:spcAft>
+                    <a:spcPts val="0"/>
+                  </a:spcAft>
+                  <a:buClrTx/>
+                  <a:buSzTx/>
+                  <a:buFontTx/>
+                  <a:buNone/>
+                  <a:tabLst/>
+                  <a:defRPr/>
+                </a:pPr>
+                <a:r>
+                  <a:rPr lang="en-US" dirty="0" smtClean="0"/>
+                  <a:t>Change</a:t>
+                </a:r>
+                <a:r>
+                  <a:rPr lang="en-US" baseline="0" dirty="0" smtClean="0"/>
+                  <a:t> from “</a:t>
+                </a:r>
+                <a:r>
+                  <a:rPr lang="en-US" sz="1200" dirty="0" smtClean="0"/>
+                  <a:t>reported ILI rate of HHS Region </a:t>
+                </a:r>
+                <a:r>
+                  <a:rPr lang="en-US" sz="1200" i="0" dirty="0" smtClean="0">
+                    <a:latin typeface="Cambria Math"/>
+                  </a:rPr>
+                  <a:t>𝑖</a:t>
+                </a:r>
+                <a:r>
+                  <a:rPr lang="en-US" sz="1200" dirty="0"/>
+                  <a:t> in week </a:t>
+                </a:r>
+                <a:r>
+                  <a:rPr lang="en-US" sz="800" i="0" dirty="0" smtClean="0">
+                    <a:latin typeface="Cambria Math"/>
+                  </a:rPr>
+                  <a:t>𝑡</a:t>
+                </a:r>
+                <a:r>
+                  <a:rPr lang="en-US" sz="800" b="0" i="0" dirty="0" smtClean="0">
+                    <a:latin typeface="Cambria Math" panose="02040503050406030204" pitchFamily="18" charset="0"/>
+                  </a:rPr>
+                  <a:t>" to "</a:t>
+                </a:r>
+                <a:r>
+                  <a:rPr lang="en-US" sz="1200" i="0" dirty="0" smtClean="0"/>
+                  <a:t>reported ILI rate of </a:t>
+                </a:r>
+                <a:r>
+                  <a:rPr lang="en-US" sz="1200" b="0" i="0" dirty="0" smtClean="0"/>
+                  <a:t>area</a:t>
+                </a:r>
+                <a:r>
+                  <a:rPr lang="en-US" sz="1200" i="0" dirty="0" smtClean="0"/>
+                  <a:t> </a:t>
+                </a:r>
+                <a:r>
+                  <a:rPr lang="en-US" sz="1200" i="0" dirty="0" smtClean="0">
+                    <a:latin typeface="Cambria Math"/>
+                  </a:rPr>
+                  <a:t>" </a:t>
+                </a:r>
+                <a:r>
+                  <a:rPr lang="en-US" sz="1200" i="0" dirty="0" smtClean="0">
+                    <a:latin typeface="Cambria Math"/>
+                  </a:rPr>
+                  <a:t>𝑖</a:t>
+                </a:r>
+                <a:r>
+                  <a:rPr lang="en-US" sz="1200" i="0" dirty="0">
+                    <a:latin typeface="Cambria Math"/>
+                  </a:rPr>
+                  <a:t>"</a:t>
+                </a:r>
+                <a:r>
+                  <a:rPr lang="en-US" sz="1200" i="0" dirty="0">
+                    <a:latin typeface="Cambria Math" panose="02040503050406030204" pitchFamily="18" charset="0"/>
+                  </a:rPr>
+                  <a:t> in week </a:t>
+                </a:r>
+                <a:r>
+                  <a:rPr lang="en-US" sz="1200" i="0" dirty="0" smtClean="0">
+                    <a:latin typeface="Cambria Math"/>
+                  </a:rPr>
+                  <a:t>" 𝑡</a:t>
+                </a:r>
+                <a:r>
+                  <a:rPr lang="en-US" sz="1200" dirty="0" smtClean="0"/>
+                  <a:t>”</a:t>
+                </a:r>
+              </a:p>
+              <a:p>
+                <a:pPr marL="0" marR="0" indent="0" algn="l" defTabSz="914400" rtl="0" eaLnBrk="1" fontAlgn="auto" latinLnBrk="0" hangingPunct="1">
+                  <a:lnSpc>
+                    <a:spcPct val="100000"/>
+                  </a:lnSpc>
+                  <a:spcBef>
+                    <a:spcPts val="0"/>
+                  </a:spcBef>
+                  <a:spcAft>
+                    <a:spcPts val="0"/>
+                  </a:spcAft>
+                  <a:buClrTx/>
+                  <a:buSzTx/>
+                  <a:buFontTx/>
+                  <a:buNone/>
+                  <a:tabLst/>
+                  <a:defRPr/>
+                </a:pPr>
+                <a:r>
+                  <a:rPr lang="en-US" sz="1200" dirty="0" smtClean="0"/>
+                  <a:t>Change</a:t>
+                </a:r>
+                <a:r>
+                  <a:rPr lang="en-US" sz="1200" baseline="0" dirty="0" smtClean="0"/>
+                  <a:t> from “</a:t>
+                </a:r>
+                <a:r>
+                  <a:rPr lang="en-US" sz="1200" dirty="0" smtClean="0"/>
+                  <a:t>population of </a:t>
+                </a:r>
+                <a:r>
+                  <a:rPr lang="en-US" sz="1200" dirty="0" smtClean="0"/>
+                  <a:t>region </a:t>
+                </a:r>
+                <a:r>
+                  <a:rPr lang="en-US" sz="1200" b="0" i="0" dirty="0" smtClean="0">
+                    <a:latin typeface="Cambria Math"/>
+                  </a:rPr>
+                  <a:t>𝑅</a:t>
+                </a:r>
+                <a:r>
+                  <a:rPr lang="en-US" sz="1200" b="0" i="0" dirty="0" smtClean="0">
+                    <a:latin typeface="Cambria Math" panose="02040503050406030204" pitchFamily="18" charset="0"/>
+                  </a:rPr>
+                  <a:t>_</a:t>
+                </a:r>
+                <a:r>
+                  <a:rPr lang="en-US" sz="1200" i="0" dirty="0" smtClean="0">
+                    <a:latin typeface="Cambria Math"/>
+                  </a:rPr>
+                  <a:t>𝑖</a:t>
+                </a:r>
+                <a:r>
+                  <a:rPr lang="en-US" sz="1200" dirty="0" smtClean="0"/>
+                  <a:t>” to “population of area</a:t>
+                </a:r>
+                <a:r>
+                  <a:rPr lang="en-US" sz="1200" baseline="0" dirty="0" smtClean="0"/>
+                  <a:t> </a:t>
+                </a:r>
+                <a:r>
+                  <a:rPr lang="en-US" sz="1200" i="0" dirty="0" smtClean="0">
+                    <a:latin typeface="Cambria Math"/>
+                  </a:rPr>
+                  <a:t>𝑖</a:t>
+                </a:r>
+                <a:r>
+                  <a:rPr lang="en-US" sz="1200" i="0" dirty="0">
+                    <a:latin typeface="Cambria Math"/>
+                  </a:rPr>
+                  <a:t>"</a:t>
+                </a:r>
+                <a:r>
+                  <a:rPr lang="en-US" sz="1200" i="0" dirty="0">
+                    <a:latin typeface="Cambria Math" panose="02040503050406030204" pitchFamily="18" charset="0"/>
+                  </a:rPr>
+                  <a:t> </a:t>
+                </a:r>
+                <a:r>
+                  <a:rPr lang="en-US" sz="1200" i="0" dirty="0"/>
+                  <a:t>"</a:t>
+                </a:r>
+                <a:r>
+                  <a:rPr lang="en-US" sz="1200" dirty="0" smtClean="0"/>
+                  <a:t>“</a:t>
+                </a:r>
+                <a:endParaRPr lang="en-US" sz="1200" dirty="0"/>
+              </a:p>
+            </p:txBody>
+          </p:sp>
+        </mc:Fallback>
+      </mc:AlternateContent>
+      <p:sp>
+        <p:nvSpPr>
+          <p:cNvPr id="4" name="Slide Number Placeholder 3"/>
+          <p:cNvSpPr>
+            <a:spLocks noGrp="1"/>
+          </p:cNvSpPr>
+          <p:nvPr>
+            <p:ph type="sldNum" sz="quarter" idx="10"/>
+          </p:nvPr>
+        </p:nvSpPr>
+        <p:spPr/>
+        <p:txBody>
+          <a:bodyPr/>
+          <a:lstStyle/>
+          <a:p>
+            <a:fld id="{832CC242-A0D7-4B80-A96C-75E8B1ABCB20}" type="slidenum">
+              <a:rPr lang="en-US" smtClean="0"/>
+              <a:pPr/>
+              <a:t>11</a:t>
+            </a:fld>
+            <a:endParaRPr lang="en-US"/>
+          </a:p>
+        </p:txBody>
+      </p:sp>
+    </p:spTree>
+    <p:extLst>
+      <p:ext uri="{BB962C8B-B14F-4D97-AF65-F5344CB8AC3E}">
+        <p14:creationId xmlns:p14="http://schemas.microsoft.com/office/powerpoint/2010/main" val="338611546"/>
+      </p:ext>
+    </p:extLst>
+  </p:cSld>
+  <p:clrMapOvr>
+    <a:masterClrMapping/>
+  </p:clrMapOvr>
+</p:notes>
+</file>
+
+<file path=ppt/notesSlides/notesSlide4.xml><?xml version="1.0" encoding="utf-8"?>
+<p:notes xmlns:a="http://schemas.openxmlformats.org/drawingml/2006/main" xmlns:r="http://schemas.openxmlformats.org/officeDocument/2006/relationships" xmlns:p="http://schemas.openxmlformats.org/presentationml/2006/main">
+  <p:cSld>
+    <p:spTree>
+      <p:nvGrpSpPr>
+        <p:cNvPr id="1" name=""/>
+        <p:cNvGrpSpPr/>
+        <p:nvPr/>
+      </p:nvGrpSpPr>
+      <p:grpSpPr>
+        <a:xfrm>
+          <a:off x="0" y="0"/>
+          <a:ext cx="0" cy="0"/>
+          <a:chOff x="0" y="0"/>
+          <a:chExt cx="0" cy="0"/>
+        </a:xfrm>
+      </p:grpSpPr>
+      <p:sp>
+        <p:nvSpPr>
+          <p:cNvPr id="2" name="Slide Image Placeholder 1"/>
+          <p:cNvSpPr>
+            <a:spLocks noGrp="1" noRot="1" noChangeAspect="1"/>
+          </p:cNvSpPr>
+          <p:nvPr>
+            <p:ph type="sldImg"/>
+          </p:nvPr>
+        </p:nvSpPr>
+        <p:spPr/>
+      </p:sp>
+      <p:sp>
+        <p:nvSpPr>
+          <p:cNvPr id="3" name="Notes Placeholder 2"/>
+          <p:cNvSpPr>
+            <a:spLocks noGrp="1"/>
+          </p:cNvSpPr>
+          <p:nvPr>
+            <p:ph type="body" idx="1"/>
+          </p:nvPr>
+        </p:nvSpPr>
+        <p:spPr/>
+        <p:txBody>
+          <a:bodyPr/>
+          <a:lstStyle/>
+          <a:p>
+            <a:r>
+              <a:rPr lang="en-US" dirty="0" smtClean="0"/>
+              <a:t>Remove</a:t>
+            </a:r>
+            <a:r>
+              <a:rPr lang="en-US" baseline="0" dirty="0" smtClean="0"/>
+              <a:t> “</a:t>
+            </a:r>
+            <a:r>
+              <a:rPr lang="en-US" dirty="0" smtClean="0"/>
+              <a:t>and districts”</a:t>
+            </a:r>
+          </a:p>
+          <a:p>
+            <a:r>
+              <a:rPr lang="en-US" dirty="0" smtClean="0"/>
+              <a:t>I</a:t>
+            </a:r>
+            <a:r>
+              <a:rPr lang="en-US" baseline="0" dirty="0" smtClean="0"/>
+              <a:t> assume that they compute county ILI rates and we aggregate them to districts (for TN and MS) and states (for MA, NC, RI and TX) where we have truth data available.</a:t>
+            </a:r>
+            <a:endParaRPr lang="en-US" dirty="0"/>
+          </a:p>
+        </p:txBody>
+      </p:sp>
+      <p:sp>
+        <p:nvSpPr>
+          <p:cNvPr id="4" name="Slide Number Placeholder 3"/>
+          <p:cNvSpPr>
+            <a:spLocks noGrp="1"/>
+          </p:cNvSpPr>
+          <p:nvPr>
+            <p:ph type="sldNum" sz="quarter" idx="10"/>
+          </p:nvPr>
+        </p:nvSpPr>
+        <p:spPr/>
+        <p:txBody>
+          <a:bodyPr/>
+          <a:lstStyle/>
+          <a:p>
+            <a:fld id="{832CC242-A0D7-4B80-A96C-75E8B1ABCB20}" type="slidenum">
+              <a:rPr lang="en-US" smtClean="0"/>
+              <a:pPr/>
+              <a:t>12</a:t>
+            </a:fld>
+            <a:endParaRPr lang="en-US"/>
+          </a:p>
+        </p:txBody>
+      </p:sp>
+    </p:spTree>
+    <p:extLst>
+      <p:ext uri="{BB962C8B-B14F-4D97-AF65-F5344CB8AC3E}">
+        <p14:creationId xmlns:p14="http://schemas.microsoft.com/office/powerpoint/2010/main" val="1934395964"/>
+      </p:ext>
+    </p:extLst>
+  </p:cSld>
+  <p:clrMapOvr>
+    <a:masterClrMapping/>
+  </p:clrMapOvr>
+</p:notes>
+</file>
+
+<file path=ppt/notesSlides/notesSlide5.xml><?xml version="1.0" encoding="utf-8"?>
+<p:notes xmlns:a="http://schemas.openxmlformats.org/drawingml/2006/main" xmlns:r="http://schemas.openxmlformats.org/officeDocument/2006/relationships" xmlns:p="http://schemas.openxmlformats.org/presentationml/2006/main">
+  <p:cSld>
+    <p:spTree>
+      <p:nvGrpSpPr>
+        <p:cNvPr id="1" name=""/>
+        <p:cNvGrpSpPr/>
+        <p:nvPr/>
+      </p:nvGrpSpPr>
+      <p:grpSpPr>
+        <a:xfrm>
+          <a:off x="0" y="0"/>
+          <a:ext cx="0" cy="0"/>
+          <a:chOff x="0" y="0"/>
+          <a:chExt cx="0" cy="0"/>
+        </a:xfrm>
+      </p:grpSpPr>
+      <p:sp>
+        <p:nvSpPr>
+          <p:cNvPr id="2" name="Slide Image Placeholder 1"/>
+          <p:cNvSpPr>
+            <a:spLocks noGrp="1" noRot="1" noChangeAspect="1"/>
+          </p:cNvSpPr>
+          <p:nvPr>
+            <p:ph type="sldImg"/>
+          </p:nvPr>
+        </p:nvSpPr>
+        <p:spPr/>
+      </p:sp>
+      <p:sp>
+        <p:nvSpPr>
+          <p:cNvPr id="3" name="Notes Placeholder 2"/>
+          <p:cNvSpPr>
+            <a:spLocks noGrp="1"/>
+          </p:cNvSpPr>
+          <p:nvPr>
+            <p:ph type="body" idx="1"/>
+          </p:nvPr>
+        </p:nvSpPr>
+        <p:spPr/>
+        <p:txBody>
+          <a:bodyPr/>
+          <a:lstStyle/>
+          <a:p>
+            <a:r>
+              <a:rPr lang="en-US" dirty="0" smtClean="0"/>
+              <a:t>I made</a:t>
+            </a:r>
+            <a:r>
+              <a:rPr lang="en-US" baseline="0" dirty="0" smtClean="0"/>
+              <a:t> “Sequence” boldface since we also have temporal correlations.</a:t>
+            </a:r>
+            <a:endParaRPr lang="en-US" dirty="0"/>
+          </a:p>
+        </p:txBody>
+      </p:sp>
+      <p:sp>
+        <p:nvSpPr>
+          <p:cNvPr id="4" name="Slide Number Placeholder 3"/>
+          <p:cNvSpPr>
+            <a:spLocks noGrp="1"/>
+          </p:cNvSpPr>
+          <p:nvPr>
+            <p:ph type="sldNum" sz="quarter" idx="10"/>
+          </p:nvPr>
+        </p:nvSpPr>
+        <p:spPr/>
+        <p:txBody>
+          <a:bodyPr/>
+          <a:lstStyle/>
+          <a:p>
+            <a:fld id="{832CC242-A0D7-4B80-A96C-75E8B1ABCB20}" type="slidenum">
+              <a:rPr lang="en-US" smtClean="0"/>
+              <a:pPr/>
+              <a:t>14</a:t>
+            </a:fld>
+            <a:endParaRPr lang="en-US"/>
+          </a:p>
+        </p:txBody>
+      </p:sp>
+    </p:spTree>
+    <p:extLst>
+      <p:ext uri="{BB962C8B-B14F-4D97-AF65-F5344CB8AC3E}">
+        <p14:creationId xmlns:p14="http://schemas.microsoft.com/office/powerpoint/2010/main" val="2560565399"/>
+      </p:ext>
+    </p:extLst>
+  </p:cSld>
+  <p:clrMapOvr>
+    <a:masterClrMapping/>
+  </p:clrMapOvr>
+</p:notes>
+</file>
+
 <file path=ppt/slideLayouts/slideLayout1.xml><?xml version="1.0" encoding="utf-8"?>
 <p:sldLayout xmlns:a="http://schemas.openxmlformats.org/drawingml/2006/main" xmlns:r="http://schemas.openxmlformats.org/officeDocument/2006/relationships" xmlns:p="http://schemas.openxmlformats.org/presentationml/2006/main" type="title" preserve="1">
   <p:cSld name="Title Slide">
@@ -1124,7 +2115,7 @@
             <a:fld id="{F3B64B42-97C5-4E7F-A046-9ABFB24F4647}" type="datetime1">
               <a:rPr lang="en-US" smtClean="0"/>
               <a:pPr/>
-              <a:t>1/17/2016</a:t>
+              <a:t>1/18/2016</a:t>
             </a:fld>
             <a:endParaRPr lang="en-US"/>
           </a:p>
@@ -1340,7 +2331,7 @@
             <a:fld id="{8FA0EC12-4566-4CE0-B247-A2A993FCE100}" type="datetime1">
               <a:rPr lang="en-US" smtClean="0"/>
               <a:pPr/>
-              <a:t>1/17/2016</a:t>
+              <a:t>1/18/2016</a:t>
             </a:fld>
             <a:endParaRPr lang="en-US"/>
           </a:p>
@@ -1556,7 +2547,7 @@
             <a:fld id="{788685CE-C5FB-40C9-BA61-348FC7272552}" type="datetime1">
               <a:rPr lang="en-US" smtClean="0"/>
               <a:pPr/>
-              <a:t>1/17/2016</a:t>
+              <a:t>1/18/2016</a:t>
             </a:fld>
             <a:endParaRPr lang="en-US"/>
           </a:p>
@@ -2046,7 +3037,7 @@
             <a:fld id="{79144205-5CF7-4997-A8A7-73185C3E51BD}" type="datetime1">
               <a:rPr lang="en-US" smtClean="0"/>
               <a:pPr/>
-              <a:t>1/17/2016</a:t>
+              <a:t>1/18/2016</a:t>
             </a:fld>
             <a:endParaRPr lang="en-US"/>
           </a:p>
@@ -2328,7 +3319,7 @@
             <a:fld id="{62118C28-9CF9-4F09-994F-3AF8E3C8B50E}" type="datetime1">
               <a:rPr lang="en-US" smtClean="0"/>
               <a:pPr/>
-              <a:t>1/17/2016</a:t>
+              <a:t>1/18/2016</a:t>
             </a:fld>
             <a:endParaRPr lang="en-US"/>
           </a:p>
@@ -2660,7 +3651,7 @@
             <a:fld id="{7B91938F-9454-4F6C-ACB2-DD81AA9A83F6}" type="datetime1">
               <a:rPr lang="en-US" smtClean="0"/>
               <a:pPr/>
-              <a:t>1/17/2016</a:t>
+              <a:t>1/18/2016</a:t>
             </a:fld>
             <a:endParaRPr lang="en-US"/>
           </a:p>
@@ -3132,7 +4123,7 @@
             <a:fld id="{B789D24A-2359-461F-AF40-1ADDF63DBEFE}" type="datetime1">
               <a:rPr lang="en-US" smtClean="0"/>
               <a:pPr/>
-              <a:t>1/17/2016</a:t>
+              <a:t>1/18/2016</a:t>
             </a:fld>
             <a:endParaRPr lang="en-US"/>
           </a:p>
@@ -3288,7 +4279,7 @@
             <a:fld id="{12811A03-8C0D-446E-B071-DE28A83022E6}" type="datetime1">
               <a:rPr lang="en-US" smtClean="0"/>
               <a:pPr/>
-              <a:t>1/17/2016</a:t>
+              <a:t>1/18/2016</a:t>
             </a:fld>
             <a:endParaRPr lang="en-US"/>
           </a:p>
@@ -3413,7 +4404,7 @@
             <a:fld id="{04FCF0CD-5D8E-4B83-9302-B220564DA9C3}" type="datetime1">
               <a:rPr lang="en-US" smtClean="0"/>
               <a:pPr/>
-              <a:t>1/17/2016</a:t>
+              <a:t>1/18/2016</a:t>
             </a:fld>
             <a:endParaRPr lang="en-US"/>
           </a:p>
@@ -3729,7 +4720,7 @@
             <a:fld id="{2C763469-E329-44C8-A8C3-F8F5F3287007}" type="datetime1">
               <a:rPr lang="en-US" smtClean="0"/>
               <a:pPr/>
-              <a:t>1/17/2016</a:t>
+              <a:t>1/18/2016</a:t>
             </a:fld>
             <a:endParaRPr lang="en-US"/>
           </a:p>
@@ -4021,7 +5012,7 @@
             <a:fld id="{44B2C831-ADF7-4486-8C19-48EB1D12687C}" type="datetime1">
               <a:rPr lang="en-US" smtClean="0"/>
               <a:pPr/>
-              <a:t>1/17/2016</a:t>
+              <a:t>1/18/2016</a:t>
             </a:fld>
             <a:endParaRPr lang="en-US"/>
           </a:p>
@@ -4815,15 +5806,7 @@
           <a:p>
             <a:r>
               <a:rPr lang="en-US" dirty="0" smtClean="0"/>
-              <a:t>Challenge Problem </a:t>
-            </a:r>
-            <a:r>
-              <a:rPr lang="en-US" dirty="0" smtClean="0"/>
-              <a:t>7:</a:t>
-            </a:r>
-            <a:r>
-              <a:rPr lang="en-US" dirty="0" smtClean="0"/>
-              <a:t/>
+              <a:t>Challenge Problem 7:</a:t>
             </a:r>
             <a:br>
               <a:rPr lang="en-US" dirty="0" smtClean="0"/>
@@ -4831,10 +5814,6 @@
             <a:r>
               <a:rPr lang="en-US" dirty="0" smtClean="0"/>
               <a:t>Influence-Like Illnesses</a:t>
-            </a:r>
-            <a:r>
-              <a:rPr lang="en-US" dirty="0" smtClean="0"/>
-              <a:t/>
             </a:r>
             <a:br>
               <a:rPr lang="en-US" dirty="0" smtClean="0"/>
@@ -4874,11 +5853,7 @@
           <a:p>
             <a:r>
               <a:rPr lang="en-US" dirty="0" smtClean="0"/>
-              <a:t>Tom </a:t>
-            </a:r>
-            <a:r>
-              <a:rPr lang="en-US" dirty="0" smtClean="0"/>
-              <a:t>Dietterich, Oregon State</a:t>
+              <a:t>Tom Dietterich, Oregon State</a:t>
             </a:r>
           </a:p>
           <a:p>
@@ -5013,8 +5988,8 @@
           </a:p>
         </p:txBody>
       </p:sp>
-      <mc:AlternateContent xmlns:mc="http://schemas.openxmlformats.org/markup-compatibility/2006">
-        <mc:Choice xmlns:a14="http://schemas.microsoft.com/office/drawing/2010/main" Requires="a14">
+      <mc:AlternateContent xmlns:mc="http://schemas.openxmlformats.org/markup-compatibility/2006" xmlns:a14="http://schemas.microsoft.com/office/drawing/2010/main">
+        <mc:Choice Requires="a14">
           <p:sp>
             <p:nvSpPr>
               <p:cNvPr id="3" name="Content Placeholder 2"/>
@@ -5046,76 +6021,102 @@
                       <m:rPr>
                         <m:sty m:val="p"/>
                       </m:rPr>
-                      <a:rPr lang="en-US" smtClean="0"/>
+                      <a:rPr lang="en-US" smtClean="0">
+                        <a:latin typeface="Cambria Math" panose="02040503050406030204" pitchFamily="18" charset="0"/>
+                      </a:rPr>
                       <m:t>lo</m:t>
                     </m:r>
                     <m:r>
                       <m:rPr>
                         <m:sty m:val="p"/>
                       </m:rPr>
-                      <a:rPr lang="en-US"/>
+                      <a:rPr lang="en-US">
+                        <a:latin typeface="Cambria Math" panose="02040503050406030204" pitchFamily="18" charset="0"/>
+                      </a:rPr>
                       <m:t>g</m:t>
                     </m:r>
                     <m:d>
                       <m:dPr>
                         <m:ctrlPr>
-                          <a:rPr lang="en-US" b="1" i="1"/>
+                          <a:rPr lang="en-US" b="1" i="1">
+                            <a:latin typeface="Cambria Math" panose="02040503050406030204" pitchFamily="18" charset="0"/>
+                          </a:rPr>
                         </m:ctrlPr>
                       </m:dPr>
                       <m:e>
                         <m:f>
                           <m:fPr>
                             <m:ctrlPr>
-                              <a:rPr lang="en-US" b="1" i="1"/>
+                              <a:rPr lang="en-US" b="1" i="1">
+                                <a:latin typeface="Cambria Math" panose="02040503050406030204" pitchFamily="18" charset="0"/>
+                              </a:rPr>
                             </m:ctrlPr>
                           </m:fPr>
                           <m:num>
                             <m:sSub>
                               <m:sSubPr>
                                 <m:ctrlPr>
-                                  <a:rPr lang="en-US" b="1" i="1"/>
+                                  <a:rPr lang="en-US" b="1" i="1">
+                                    <a:latin typeface="Cambria Math" panose="02040503050406030204" pitchFamily="18" charset="0"/>
+                                  </a:rPr>
                                 </m:ctrlPr>
                               </m:sSubPr>
                               <m:e>
                                 <m:r>
-                                  <a:rPr lang="en-US" i="1"/>
+                                  <a:rPr lang="en-US" i="1">
+                                    <a:latin typeface="Cambria Math" panose="02040503050406030204" pitchFamily="18" charset="0"/>
+                                  </a:rPr>
                                   <m:t>𝑧</m:t>
                                 </m:r>
                               </m:e>
                               <m:sub>
                                 <m:r>
-                                  <a:rPr lang="en-US" i="1"/>
+                                  <a:rPr lang="en-US" i="1">
+                                    <a:latin typeface="Cambria Math" panose="02040503050406030204" pitchFamily="18" charset="0"/>
+                                  </a:rPr>
                                   <m:t>𝑐</m:t>
                                 </m:r>
                                 <m:r>
-                                  <a:rPr lang="en-US" i="1"/>
+                                  <a:rPr lang="en-US" i="1">
+                                    <a:latin typeface="Cambria Math" panose="02040503050406030204" pitchFamily="18" charset="0"/>
+                                  </a:rPr>
                                   <m:t>,</m:t>
                                 </m:r>
                                 <m:r>
-                                  <a:rPr lang="en-US" i="1"/>
+                                  <a:rPr lang="en-US" i="1">
+                                    <a:latin typeface="Cambria Math" panose="02040503050406030204" pitchFamily="18" charset="0"/>
+                                  </a:rPr>
                                   <m:t>𝑡</m:t>
                                 </m:r>
                               </m:sub>
                             </m:sSub>
                             <m:r>
-                              <a:rPr lang="en-US" i="1"/>
+                              <a:rPr lang="en-US" i="1">
+                                <a:latin typeface="Cambria Math" panose="02040503050406030204" pitchFamily="18" charset="0"/>
+                              </a:rPr>
                               <m:t>+</m:t>
                             </m:r>
                             <m:sSub>
                               <m:sSubPr>
                                 <m:ctrlPr>
-                                  <a:rPr lang="en-US" b="1" i="1"/>
+                                  <a:rPr lang="en-US" b="1" i="1">
+                                    <a:latin typeface="Cambria Math" panose="02040503050406030204" pitchFamily="18" charset="0"/>
+                                  </a:rPr>
                                 </m:ctrlPr>
                               </m:sSubPr>
                               <m:e>
                                 <m:r>
-                                  <a:rPr lang="en-US" i="1"/>
+                                  <a:rPr lang="en-US" i="1">
+                                    <a:latin typeface="Cambria Math" panose="02040503050406030204" pitchFamily="18" charset="0"/>
+                                  </a:rPr>
                                   <m:t>𝜖</m:t>
                                 </m:r>
                               </m:e>
                               <m:sub>
                                 <m:r>
-                                  <a:rPr lang="en-US" i="1"/>
+                                  <a:rPr lang="en-US" i="1">
+                                    <a:latin typeface="Cambria Math" panose="02040503050406030204" pitchFamily="18" charset="0"/>
+                                  </a:rPr>
                                   <m:t>1</m:t>
                                 </m:r>
                               </m:sub>
@@ -5125,53 +6126,73 @@
                             <m:sSub>
                               <m:sSubPr>
                                 <m:ctrlPr>
-                                  <a:rPr lang="en-US" b="1" i="1"/>
+                                  <a:rPr lang="en-US" b="1" i="1">
+                                    <a:latin typeface="Cambria Math" panose="02040503050406030204" pitchFamily="18" charset="0"/>
+                                  </a:rPr>
                                 </m:ctrlPr>
                               </m:sSubPr>
                               <m:e>
                                 <m:r>
-                                  <a:rPr lang="en-US" i="1"/>
+                                  <a:rPr lang="en-US" i="1">
+                                    <a:latin typeface="Cambria Math" panose="02040503050406030204" pitchFamily="18" charset="0"/>
+                                  </a:rPr>
                                   <m:t>1−</m:t>
                                 </m:r>
                                 <m:r>
-                                  <a:rPr lang="en-US" i="1"/>
+                                  <a:rPr lang="en-US" i="1">
+                                    <a:latin typeface="Cambria Math" panose="02040503050406030204" pitchFamily="18" charset="0"/>
+                                  </a:rPr>
                                   <m:t>𝑧</m:t>
                                 </m:r>
                               </m:e>
                               <m:sub>
                                 <m:r>
-                                  <a:rPr lang="en-US" i="1"/>
+                                  <a:rPr lang="en-US" i="1">
+                                    <a:latin typeface="Cambria Math" panose="02040503050406030204" pitchFamily="18" charset="0"/>
+                                  </a:rPr>
                                   <m:t>𝑐</m:t>
                                 </m:r>
                                 <m:r>
-                                  <a:rPr lang="en-US" i="1"/>
+                                  <a:rPr lang="en-US" i="1">
+                                    <a:latin typeface="Cambria Math" panose="02040503050406030204" pitchFamily="18" charset="0"/>
+                                  </a:rPr>
                                   <m:t>,</m:t>
                                 </m:r>
                                 <m:r>
-                                  <a:rPr lang="en-US" i="1"/>
+                                  <a:rPr lang="en-US" i="1">
+                                    <a:latin typeface="Cambria Math" panose="02040503050406030204" pitchFamily="18" charset="0"/>
+                                  </a:rPr>
                                   <m:t>𝑡</m:t>
                                 </m:r>
                               </m:sub>
                             </m:sSub>
                             <m:r>
-                              <a:rPr lang="en-US" i="1"/>
+                              <a:rPr lang="en-US" i="1">
+                                <a:latin typeface="Cambria Math" panose="02040503050406030204" pitchFamily="18" charset="0"/>
+                              </a:rPr>
                               <m:t>+</m:t>
                             </m:r>
                             <m:sSub>
                               <m:sSubPr>
                                 <m:ctrlPr>
-                                  <a:rPr lang="en-US" b="1" i="1"/>
+                                  <a:rPr lang="en-US" b="1" i="1">
+                                    <a:latin typeface="Cambria Math" panose="02040503050406030204" pitchFamily="18" charset="0"/>
+                                  </a:rPr>
                                 </m:ctrlPr>
                               </m:sSubPr>
                               <m:e>
                                 <m:r>
-                                  <a:rPr lang="en-US" i="1"/>
+                                  <a:rPr lang="en-US" i="1">
+                                    <a:latin typeface="Cambria Math" panose="02040503050406030204" pitchFamily="18" charset="0"/>
+                                  </a:rPr>
                                   <m:t>𝜖</m:t>
                                 </m:r>
                               </m:e>
                               <m:sub>
                                 <m:r>
-                                  <a:rPr lang="en-US" i="1"/>
+                                  <a:rPr lang="en-US" i="1">
+                                    <a:latin typeface="Cambria Math" panose="02040503050406030204" pitchFamily="18" charset="0"/>
+                                  </a:rPr>
                                   <m:t>1</m:t>
                                 </m:r>
                               </m:sub>
@@ -5181,24 +6202,32 @@
                       </m:e>
                     </m:d>
                     <m:r>
-                      <a:rPr lang="en-US" i="1"/>
+                      <a:rPr lang="en-US" i="1">
+                        <a:latin typeface="Cambria Math" panose="02040503050406030204" pitchFamily="18" charset="0"/>
+                      </a:rPr>
                       <m:t>=</m:t>
                     </m:r>
                     <m:sSup>
                       <m:sSupPr>
                         <m:ctrlPr>
-                          <a:rPr lang="en-US" b="1" i="1"/>
+                          <a:rPr lang="en-US" b="1" i="1">
+                            <a:latin typeface="Cambria Math" panose="02040503050406030204" pitchFamily="18" charset="0"/>
+                          </a:rPr>
                         </m:ctrlPr>
                       </m:sSupPr>
                       <m:e>
                         <m:r>
-                          <a:rPr lang="en-US" i="1"/>
+                          <a:rPr lang="en-US" i="1">
+                            <a:latin typeface="Cambria Math" panose="02040503050406030204" pitchFamily="18" charset="0"/>
+                          </a:rPr>
                           <m:t>𝛽</m:t>
                         </m:r>
                       </m:e>
                       <m:sup>
                         <m:r>
-                          <a:rPr lang="en-US" i="1"/>
+                          <a:rPr lang="en-US" i="1">
+                            <a:latin typeface="Cambria Math" panose="02040503050406030204" pitchFamily="18" charset="0"/>
+                          </a:rPr>
                           <m:t>𝑇</m:t>
                         </m:r>
                       </m:sup>
@@ -5206,94 +6235,130 @@
                     <m:sSub>
                       <m:sSubPr>
                         <m:ctrlPr>
-                          <a:rPr lang="en-US" b="1" i="1"/>
+                          <a:rPr lang="en-US" b="1" i="1">
+                            <a:latin typeface="Cambria Math" panose="02040503050406030204" pitchFamily="18" charset="0"/>
+                          </a:rPr>
                         </m:ctrlPr>
                       </m:sSubPr>
                       <m:e>
                         <m:r>
-                          <a:rPr lang="en-US" i="1"/>
+                          <a:rPr lang="en-US" i="1">
+                            <a:latin typeface="Cambria Math" panose="02040503050406030204" pitchFamily="18" charset="0"/>
+                          </a:rPr>
                           <m:t>𝑋</m:t>
                         </m:r>
                       </m:e>
                       <m:sub>
                         <m:r>
-                          <a:rPr lang="en-US" i="1"/>
+                          <a:rPr lang="en-US" i="1">
+                            <a:latin typeface="Cambria Math" panose="02040503050406030204" pitchFamily="18" charset="0"/>
+                          </a:rPr>
                           <m:t>𝑐</m:t>
                         </m:r>
                         <m:r>
-                          <a:rPr lang="en-US" i="1"/>
+                          <a:rPr lang="en-US" i="1">
+                            <a:latin typeface="Cambria Math" panose="02040503050406030204" pitchFamily="18" charset="0"/>
+                          </a:rPr>
                           <m:t>,</m:t>
                         </m:r>
                         <m:r>
-                          <a:rPr lang="en-US" i="1"/>
+                          <a:rPr lang="en-US" i="1">
+                            <a:latin typeface="Cambria Math" panose="02040503050406030204" pitchFamily="18" charset="0"/>
+                          </a:rPr>
                           <m:t>𝑡</m:t>
                         </m:r>
                       </m:sub>
                     </m:sSub>
                     <m:r>
-                      <a:rPr lang="en-US" i="1"/>
+                      <a:rPr lang="en-US" i="1">
+                        <a:latin typeface="Cambria Math" panose="02040503050406030204" pitchFamily="18" charset="0"/>
+                      </a:rPr>
                       <m:t>+</m:t>
                     </m:r>
                     <m:sSub>
                       <m:sSubPr>
                         <m:ctrlPr>
-                          <a:rPr lang="en-US" b="1" i="1"/>
+                          <a:rPr lang="en-US" b="1" i="1">
+                            <a:latin typeface="Cambria Math" panose="02040503050406030204" pitchFamily="18" charset="0"/>
+                          </a:rPr>
                         </m:ctrlPr>
                       </m:sSubPr>
                       <m:e>
                         <m:r>
-                          <a:rPr lang="en-US" i="1"/>
+                          <a:rPr lang="en-US" i="1">
+                            <a:latin typeface="Cambria Math" panose="02040503050406030204" pitchFamily="18" charset="0"/>
+                          </a:rPr>
                           <m:t>𝑦</m:t>
                         </m:r>
                       </m:e>
                       <m:sub>
                         <m:r>
-                          <a:rPr lang="en-US" i="1"/>
+                          <a:rPr lang="en-US" i="1">
+                            <a:latin typeface="Cambria Math" panose="02040503050406030204" pitchFamily="18" charset="0"/>
+                          </a:rPr>
                           <m:t>𝑐</m:t>
                         </m:r>
                         <m:r>
-                          <a:rPr lang="en-US" i="1"/>
+                          <a:rPr lang="en-US" i="1">
+                            <a:latin typeface="Cambria Math" panose="02040503050406030204" pitchFamily="18" charset="0"/>
+                          </a:rPr>
                           <m:t>,</m:t>
                         </m:r>
                         <m:r>
-                          <a:rPr lang="en-US" i="1"/>
+                          <a:rPr lang="en-US" i="1">
+                            <a:latin typeface="Cambria Math" panose="02040503050406030204" pitchFamily="18" charset="0"/>
+                          </a:rPr>
                           <m:t>𝑡</m:t>
                         </m:r>
                       </m:sub>
                     </m:sSub>
                     <m:r>
-                      <a:rPr lang="en-US" i="1"/>
+                      <a:rPr lang="en-US" i="1">
+                        <a:latin typeface="Cambria Math" panose="02040503050406030204" pitchFamily="18" charset="0"/>
+                      </a:rPr>
                       <m:t>+</m:t>
                     </m:r>
                     <m:sSub>
                       <m:sSubPr>
                         <m:ctrlPr>
-                          <a:rPr lang="en-US" b="1" i="1"/>
+                          <a:rPr lang="en-US" b="1" i="1">
+                            <a:latin typeface="Cambria Math" panose="02040503050406030204" pitchFamily="18" charset="0"/>
+                          </a:rPr>
                         </m:ctrlPr>
                       </m:sSubPr>
                       <m:e>
                         <m:r>
-                          <a:rPr lang="en-US" i="1"/>
+                          <a:rPr lang="en-US" i="1">
+                            <a:latin typeface="Cambria Math" panose="02040503050406030204" pitchFamily="18" charset="0"/>
+                          </a:rPr>
                           <m:t>𝑛</m:t>
                         </m:r>
                       </m:e>
                       <m:sub>
                         <m:r>
-                          <a:rPr lang="en-US" i="1"/>
+                          <a:rPr lang="en-US" i="1">
+                            <a:latin typeface="Cambria Math" panose="02040503050406030204" pitchFamily="18" charset="0"/>
+                          </a:rPr>
                           <m:t>𝑐</m:t>
                         </m:r>
                         <m:r>
-                          <a:rPr lang="en-US" i="1"/>
+                          <a:rPr lang="en-US" i="1">
+                            <a:latin typeface="Cambria Math" panose="02040503050406030204" pitchFamily="18" charset="0"/>
+                          </a:rPr>
                           <m:t>,</m:t>
                         </m:r>
                         <m:r>
-                          <a:rPr lang="en-US" i="1"/>
+                          <a:rPr lang="en-US" i="1">
+                            <a:latin typeface="Cambria Math" panose="02040503050406030204" pitchFamily="18" charset="0"/>
+                          </a:rPr>
                           <m:t>𝑡</m:t>
                         </m:r>
                       </m:sub>
                     </m:sSub>
                     <m:r>
-                      <a:rPr lang="en-US" i="1"/>
+                      <a:rPr lang="en-US" i="1">
+                        <a:latin typeface="Cambria Math" panose="02040503050406030204" pitchFamily="18" charset="0"/>
+                      </a:rPr>
                       <m:t> </m:t>
                     </m:r>
                   </m:oMath>
@@ -5339,26 +6404,36 @@
                     <m:sSub>
                       <m:sSubPr>
                         <m:ctrlPr>
-                          <a:rPr lang="en-US" sz="2600" i="1"/>
+                          <a:rPr lang="en-US" sz="2600" i="1">
+                            <a:latin typeface="Cambria Math" panose="02040503050406030204" pitchFamily="18" charset="0"/>
+                          </a:rPr>
                         </m:ctrlPr>
                       </m:sSubPr>
                       <m:e>
                         <m:r>
-                          <a:rPr lang="en-US" sz="2600" b="0" i="1"/>
+                          <a:rPr lang="en-US" sz="2600" b="0" i="1">
+                            <a:latin typeface="Cambria Math" panose="02040503050406030204" pitchFamily="18" charset="0"/>
+                          </a:rPr>
                           <m:t>𝑋</m:t>
                         </m:r>
                       </m:e>
                       <m:sub>
                         <m:r>
-                          <a:rPr lang="en-US" sz="2600" b="0" i="1"/>
+                          <a:rPr lang="en-US" sz="2600" b="0" i="1">
+                            <a:latin typeface="Cambria Math" panose="02040503050406030204" pitchFamily="18" charset="0"/>
+                          </a:rPr>
                           <m:t>𝑐</m:t>
                         </m:r>
                         <m:r>
-                          <a:rPr lang="en-US" sz="2600" b="0" i="1"/>
+                          <a:rPr lang="en-US" sz="2600" b="0" i="1">
+                            <a:latin typeface="Cambria Math" panose="02040503050406030204" pitchFamily="18" charset="0"/>
+                          </a:rPr>
                           <m:t>,</m:t>
                         </m:r>
                         <m:r>
-                          <a:rPr lang="en-US" sz="2600" b="0" i="1"/>
+                          <a:rPr lang="en-US" sz="2600" b="0" i="1">
+                            <a:latin typeface="Cambria Math" panose="02040503050406030204" pitchFamily="18" charset="0"/>
+                          </a:rPr>
                           <m:t>𝑡</m:t>
                         </m:r>
                       </m:sub>
@@ -5372,7 +6447,9 @@
                 <a14:m>
                   <m:oMath xmlns:m="http://schemas.openxmlformats.org/officeDocument/2006/math">
                     <m:r>
-                      <a:rPr lang="en-US" sz="2600" b="0" i="1"/>
+                      <a:rPr lang="en-US" sz="2600" b="0" i="1">
+                        <a:latin typeface="Cambria Math" panose="02040503050406030204" pitchFamily="18" charset="0"/>
+                      </a:rPr>
                       <m:t>𝑐</m:t>
                     </m:r>
                   </m:oMath>
@@ -5384,7 +6461,9 @@
                 <a14:m>
                   <m:oMath xmlns:m="http://schemas.openxmlformats.org/officeDocument/2006/math">
                     <m:r>
-                      <a:rPr lang="en-US" sz="2600" b="0" i="1"/>
+                      <a:rPr lang="en-US" sz="2600" b="0" i="1">
+                        <a:latin typeface="Cambria Math" panose="02040503050406030204" pitchFamily="18" charset="0"/>
+                      </a:rPr>
                       <m:t>𝑡</m:t>
                     </m:r>
                   </m:oMath>
@@ -5400,26 +6479,36 @@
                     <m:sSub>
                       <m:sSubPr>
                         <m:ctrlPr>
-                          <a:rPr lang="en-US" sz="2600" i="1"/>
+                          <a:rPr lang="en-US" sz="2600" i="1">
+                            <a:latin typeface="Cambria Math" panose="02040503050406030204" pitchFamily="18" charset="0"/>
+                          </a:rPr>
                         </m:ctrlPr>
                       </m:sSubPr>
                       <m:e>
                         <m:r>
-                          <a:rPr lang="en-US" sz="2600" b="0" i="1"/>
+                          <a:rPr lang="en-US" sz="2600" b="0" i="1">
+                            <a:latin typeface="Cambria Math" panose="02040503050406030204" pitchFamily="18" charset="0"/>
+                          </a:rPr>
                           <m:t>𝑦</m:t>
                         </m:r>
                       </m:e>
                       <m:sub>
                         <m:r>
-                          <a:rPr lang="en-US" sz="2600" b="0" i="1"/>
+                          <a:rPr lang="en-US" sz="2600" b="0" i="1">
+                            <a:latin typeface="Cambria Math" panose="02040503050406030204" pitchFamily="18" charset="0"/>
+                          </a:rPr>
                           <m:t>𝑐</m:t>
                         </m:r>
                         <m:r>
-                          <a:rPr lang="en-US" sz="2600" b="0" i="1"/>
+                          <a:rPr lang="en-US" sz="2600" b="0" i="1">
+                            <a:latin typeface="Cambria Math" panose="02040503050406030204" pitchFamily="18" charset="0"/>
+                          </a:rPr>
                           <m:t>,</m:t>
                         </m:r>
                         <m:r>
-                          <a:rPr lang="en-US" sz="2600" b="0" i="1"/>
+                          <a:rPr lang="en-US" sz="2600" b="0" i="1">
+                            <a:latin typeface="Cambria Math" panose="02040503050406030204" pitchFamily="18" charset="0"/>
+                          </a:rPr>
                           <m:t>𝑡</m:t>
                         </m:r>
                       </m:sub>
@@ -5445,26 +6534,36 @@
                     <m:sSub>
                       <m:sSubPr>
                         <m:ctrlPr>
-                          <a:rPr lang="en-US" sz="2600" i="1"/>
+                          <a:rPr lang="en-US" sz="2600" i="1">
+                            <a:latin typeface="Cambria Math" panose="02040503050406030204" pitchFamily="18" charset="0"/>
+                          </a:rPr>
                         </m:ctrlPr>
                       </m:sSubPr>
                       <m:e>
                         <m:r>
-                          <a:rPr lang="en-US" sz="2600" b="0" i="1"/>
+                          <a:rPr lang="en-US" sz="2600" b="0" i="1">
+                            <a:latin typeface="Cambria Math" panose="02040503050406030204" pitchFamily="18" charset="0"/>
+                          </a:rPr>
                           <m:t>𝑧</m:t>
                         </m:r>
                       </m:e>
                       <m:sub>
                         <m:r>
-                          <a:rPr lang="en-US" sz="2600" b="0" i="1"/>
+                          <a:rPr lang="en-US" sz="2600" b="0" i="1">
+                            <a:latin typeface="Cambria Math" panose="02040503050406030204" pitchFamily="18" charset="0"/>
+                          </a:rPr>
                           <m:t>𝑐</m:t>
                         </m:r>
                         <m:r>
-                          <a:rPr lang="en-US" sz="2600" b="0" i="1"/>
+                          <a:rPr lang="en-US" sz="2600" b="0" i="1">
+                            <a:latin typeface="Cambria Math" panose="02040503050406030204" pitchFamily="18" charset="0"/>
+                          </a:rPr>
                           <m:t>,</m:t>
                         </m:r>
                         <m:r>
-                          <a:rPr lang="en-US" sz="2600" b="0" i="1"/>
+                          <a:rPr lang="en-US" sz="2600" b="0" i="1">
+                            <a:latin typeface="Cambria Math" panose="02040503050406030204" pitchFamily="18" charset="0"/>
+                          </a:rPr>
                           <m:t>𝑡</m:t>
                         </m:r>
                       </m:sub>
@@ -5498,26 +6597,36 @@
                     <m:sSub>
                       <m:sSubPr>
                         <m:ctrlPr>
-                          <a:rPr lang="en-US" sz="2600" i="1"/>
+                          <a:rPr lang="en-US" sz="2600" i="1">
+                            <a:latin typeface="Cambria Math" panose="02040503050406030204" pitchFamily="18" charset="0"/>
+                          </a:rPr>
                         </m:ctrlPr>
                       </m:sSubPr>
                       <m:e>
                         <m:r>
-                          <a:rPr lang="en-US" sz="2600" b="0" i="1"/>
+                          <a:rPr lang="en-US" sz="2600" b="0" i="1">
+                            <a:latin typeface="Cambria Math" panose="02040503050406030204" pitchFamily="18" charset="0"/>
+                          </a:rPr>
                           <m:t>𝑛</m:t>
                         </m:r>
                       </m:e>
                       <m:sub>
                         <m:r>
-                          <a:rPr lang="en-US" sz="2600" b="0" i="1"/>
+                          <a:rPr lang="en-US" sz="2600" b="0" i="1">
+                            <a:latin typeface="Cambria Math" panose="02040503050406030204" pitchFamily="18" charset="0"/>
+                          </a:rPr>
                           <m:t>𝑐</m:t>
                         </m:r>
                         <m:r>
-                          <a:rPr lang="en-US" sz="2600" b="0" i="1"/>
+                          <a:rPr lang="en-US" sz="2600" b="0" i="1">
+                            <a:latin typeface="Cambria Math" panose="02040503050406030204" pitchFamily="18" charset="0"/>
+                          </a:rPr>
                           <m:t>,</m:t>
                         </m:r>
                         <m:r>
-                          <a:rPr lang="en-US" sz="2600" b="0" i="1"/>
+                          <a:rPr lang="en-US" sz="2600" b="0" i="1">
+                            <a:latin typeface="Cambria Math" panose="02040503050406030204" pitchFamily="18" charset="0"/>
+                          </a:rPr>
                           <m:t>𝑡</m:t>
                         </m:r>
                       </m:sub>
@@ -5544,7 +6653,7 @@
                       <m:sSubPr>
                         <m:ctrlPr>
                           <a:rPr lang="en-US" sz="2600" b="0" i="1" smtClean="0">
-                            <a:latin typeface="Cambria Math"/>
+                            <a:latin typeface="Cambria Math" panose="02040503050406030204" pitchFamily="18" charset="0"/>
                           </a:rPr>
                         </m:ctrlPr>
                       </m:sSubPr>
@@ -5578,24 +6687,32 @@
                     <m:sSub>
                       <m:sSubPr>
                         <m:ctrlPr>
-                          <a:rPr lang="en-US" sz="2600" i="1"/>
+                          <a:rPr lang="en-US" sz="2600" i="1">
+                            <a:latin typeface="Cambria Math" panose="02040503050406030204" pitchFamily="18" charset="0"/>
+                          </a:rPr>
                         </m:ctrlPr>
                       </m:sSubPr>
                       <m:e>
                         <m:r>
-                          <a:rPr lang="en-US" sz="2600" b="0" i="1"/>
+                          <a:rPr lang="en-US" sz="2600" b="0" i="1">
+                            <a:latin typeface="Cambria Math" panose="02040503050406030204" pitchFamily="18" charset="0"/>
+                          </a:rPr>
                           <m:t>𝜖</m:t>
                         </m:r>
                       </m:e>
                       <m:sub>
                         <m:r>
-                          <a:rPr lang="en-US" sz="2600" b="0" i="1"/>
+                          <a:rPr lang="en-US" sz="2600" b="0" i="1">
+                            <a:latin typeface="Cambria Math" panose="02040503050406030204" pitchFamily="18" charset="0"/>
+                          </a:rPr>
                           <m:t>1</m:t>
                         </m:r>
                       </m:sub>
                     </m:sSub>
                     <m:r>
-                      <a:rPr lang="en-US" sz="2600" b="0" i="1"/>
+                      <a:rPr lang="en-US" sz="2600" b="0" i="1">
+                        <a:latin typeface="Cambria Math" panose="02040503050406030204" pitchFamily="18" charset="0"/>
+                      </a:rPr>
                       <m:t>=0.0001</m:t>
                     </m:r>
                   </m:oMath>
@@ -5604,12 +6721,11 @@
                   <a:rPr lang="en-US" sz="2600" dirty="0"/>
                   <a:t>: a small number to ensure numerical stability</a:t>
                 </a:r>
-                <a:endParaRPr lang="en-US" sz="2600" dirty="0"/>
               </a:p>
             </p:txBody>
           </p:sp>
         </mc:Choice>
-        <mc:Fallback>
+        <mc:Fallback xmlns="">
           <p:sp>
             <p:nvSpPr>
               <p:cNvPr id="3" name="Content Placeholder 2"/>
@@ -5800,12 +6916,16 @@
                     <m:sSub>
                       <m:sSubPr>
                         <m:ctrlPr>
-                          <a:rPr lang="en-US" i="1" smtClean="0"/>
+                          <a:rPr lang="en-US" i="1" smtClean="0">
+                            <a:latin typeface="Cambria Math" panose="02040503050406030204" pitchFamily="18" charset="0"/>
+                          </a:rPr>
                         </m:ctrlPr>
                       </m:sSubPr>
                       <m:e>
                         <m:r>
-                          <a:rPr lang="en-US" i="1"/>
+                          <a:rPr lang="en-US" i="1">
+                            <a:latin typeface="Cambria Math" panose="02040503050406030204" pitchFamily="18" charset="0"/>
+                          </a:rPr>
                           <m:t>𝑧</m:t>
                         </m:r>
                       </m:e>
@@ -5813,34 +6933,46 @@
                         <m:sSub>
                           <m:sSubPr>
                             <m:ctrlPr>
-                              <a:rPr lang="en-US" i="1"/>
+                              <a:rPr lang="en-US" i="1">
+                                <a:latin typeface="Cambria Math" panose="02040503050406030204" pitchFamily="18" charset="0"/>
+                              </a:rPr>
                             </m:ctrlPr>
                           </m:sSubPr>
                           <m:e>
                             <m:r>
-                              <a:rPr lang="en-US" i="1"/>
+                              <a:rPr lang="en-US" i="1">
+                                <a:latin typeface="Cambria Math" panose="02040503050406030204" pitchFamily="18" charset="0"/>
+                              </a:rPr>
                               <m:t>𝑅</m:t>
                             </m:r>
                           </m:e>
                           <m:sub>
                             <m:r>
-                              <a:rPr lang="en-US" i="1"/>
+                              <a:rPr lang="en-US" i="1">
+                                <a:latin typeface="Cambria Math" panose="02040503050406030204" pitchFamily="18" charset="0"/>
+                              </a:rPr>
                               <m:t>𝑖</m:t>
                             </m:r>
                           </m:sub>
                         </m:sSub>
                         <m:r>
-                          <a:rPr lang="en-US" i="1"/>
+                          <a:rPr lang="en-US" i="1">
+                            <a:latin typeface="Cambria Math" panose="02040503050406030204" pitchFamily="18" charset="0"/>
+                          </a:rPr>
                           <m:t>,</m:t>
                         </m:r>
                         <m:r>
-                          <a:rPr lang="en-US" i="1"/>
+                          <a:rPr lang="en-US" i="1">
+                            <a:latin typeface="Cambria Math" panose="02040503050406030204" pitchFamily="18" charset="0"/>
+                          </a:rPr>
                           <m:t>𝑡</m:t>
                         </m:r>
                       </m:sub>
                     </m:sSub>
                     <m:r>
-                      <a:rPr lang="en-US" i="1"/>
+                      <a:rPr lang="en-US" i="1">
+                        <a:latin typeface="Cambria Math" panose="02040503050406030204" pitchFamily="18" charset="0"/>
+                      </a:rPr>
                       <m:t>=</m:t>
                     </m:r>
                     <m:nary>
@@ -5849,23 +6981,29 @@
                         <m:limLoc m:val="subSup"/>
                         <m:supHide m:val="on"/>
                         <m:ctrlPr>
-                          <a:rPr lang="en-US" i="1"/>
+                          <a:rPr lang="en-US" i="1">
+                            <a:latin typeface="Cambria Math" panose="02040503050406030204" pitchFamily="18" charset="0"/>
+                          </a:rPr>
                         </m:ctrlPr>
                       </m:naryPr>
                       <m:sub>
                         <m:r>
-                          <a:rPr lang="en-US" i="1"/>
+                          <a:rPr lang="en-US" i="1">
+                            <a:latin typeface="Cambria Math" panose="02040503050406030204" pitchFamily="18" charset="0"/>
+                          </a:rPr>
                           <m:t>𝑐</m:t>
                         </m:r>
                         <m:r>
-                          <a:rPr lang="en-US" i="1"/>
+                          <a:rPr lang="en-US" i="1">
+                            <a:latin typeface="Cambria Math" panose="02040503050406030204" pitchFamily="18" charset="0"/>
+                          </a:rPr>
                           <m:t>∈</m:t>
                         </m:r>
                         <m:sSub>
                           <m:sSubPr>
                             <m:ctrlPr>
                               <a:rPr lang="en-US" b="0" i="1" smtClean="0">
-                                <a:latin typeface="Cambria Math"/>
+                                <a:latin typeface="Cambria Math" panose="02040503050406030204" pitchFamily="18" charset="0"/>
                               </a:rPr>
                             </m:ctrlPr>
                           </m:sSubPr>
@@ -5892,14 +7030,18 @@
                         <m:d>
                           <m:dPr>
                             <m:ctrlPr>
-                              <a:rPr lang="en-US" i="1"/>
+                              <a:rPr lang="en-US" i="1">
+                                <a:latin typeface="Cambria Math" panose="02040503050406030204" pitchFamily="18" charset="0"/>
+                              </a:rPr>
                             </m:ctrlPr>
                           </m:dPr>
                           <m:e>
                             <m:f>
                               <m:fPr>
                                 <m:ctrlPr>
-                                  <a:rPr lang="en-US" i="1"/>
+                                  <a:rPr lang="en-US" i="1">
+                                    <a:latin typeface="Cambria Math" panose="02040503050406030204" pitchFamily="18" charset="0"/>
+                                  </a:rPr>
                                 </m:ctrlPr>
                               </m:fPr>
                               <m:num>
@@ -5907,7 +7049,7 @@
                                   <m:sSubPr>
                                     <m:ctrlPr>
                                       <a:rPr lang="en-US" i="1">
-                                        <a:latin typeface="Cambria Math"/>
+                                        <a:latin typeface="Cambria Math" panose="02040503050406030204" pitchFamily="18" charset="0"/>
                                       </a:rPr>
                                     </m:ctrlPr>
                                   </m:sSubPr>
@@ -5934,7 +7076,7 @@
                                   <m:sSubPr>
                                     <m:ctrlPr>
                                       <a:rPr lang="en-US" i="1">
-                                        <a:latin typeface="Cambria Math"/>
+                                        <a:latin typeface="Cambria Math" panose="02040503050406030204" pitchFamily="18" charset="0"/>
                                       </a:rPr>
                                     </m:ctrlPr>
                                   </m:sSubPr>
@@ -5951,7 +7093,7 @@
                                       <m:sSubPr>
                                         <m:ctrlPr>
                                           <a:rPr lang="en-US" i="1">
-                                            <a:latin typeface="Cambria Math"/>
+                                            <a:latin typeface="Cambria Math" panose="02040503050406030204" pitchFamily="18" charset="0"/>
                                           </a:rPr>
                                         </m:ctrlPr>
                                       </m:sSubPr>
@@ -5983,26 +7125,36 @@
                     <m:sSub>
                       <m:sSubPr>
                         <m:ctrlPr>
-                          <a:rPr lang="en-US" i="1"/>
+                          <a:rPr lang="en-US" i="1">
+                            <a:latin typeface="Cambria Math" panose="02040503050406030204" pitchFamily="18" charset="0"/>
+                          </a:rPr>
                         </m:ctrlPr>
                       </m:sSubPr>
                       <m:e>
                         <m:r>
-                          <a:rPr lang="en-US" i="1"/>
+                          <a:rPr lang="en-US" i="1">
+                            <a:latin typeface="Cambria Math" panose="02040503050406030204" pitchFamily="18" charset="0"/>
+                          </a:rPr>
                           <m:t>𝑧</m:t>
                         </m:r>
                       </m:e>
                       <m:sub>
                         <m:r>
-                          <a:rPr lang="en-US" i="1"/>
+                          <a:rPr lang="en-US" i="1">
+                            <a:latin typeface="Cambria Math" panose="02040503050406030204" pitchFamily="18" charset="0"/>
+                          </a:rPr>
                           <m:t>𝑐</m:t>
                         </m:r>
                         <m:r>
-                          <a:rPr lang="en-US" i="1"/>
+                          <a:rPr lang="en-US" i="1">
+                            <a:latin typeface="Cambria Math" panose="02040503050406030204" pitchFamily="18" charset="0"/>
+                          </a:rPr>
                           <m:t>,</m:t>
                         </m:r>
                         <m:r>
-                          <a:rPr lang="en-US" i="1"/>
+                          <a:rPr lang="en-US" i="1">
+                            <a:latin typeface="Cambria Math" panose="02040503050406030204" pitchFamily="18" charset="0"/>
+                          </a:rPr>
                           <m:t>𝑡</m:t>
                         </m:r>
                       </m:sub>
@@ -6040,22 +7192,30 @@
                     <m:sSub>
                       <m:sSubPr>
                         <m:ctrlPr>
-                          <a:rPr lang="en-US" sz="2400" i="1"/>
+                          <a:rPr lang="en-US" sz="2400" i="1">
+                            <a:latin typeface="Cambria Math" panose="02040503050406030204" pitchFamily="18" charset="0"/>
+                          </a:rPr>
                         </m:ctrlPr>
                       </m:sSubPr>
                       <m:e>
                         <m:r>
-                          <a:rPr lang="en-US" sz="2400" i="1"/>
+                          <a:rPr lang="en-US" sz="2400" i="1">
+                            <a:latin typeface="Cambria Math" panose="02040503050406030204" pitchFamily="18" charset="0"/>
+                          </a:rPr>
                           <m:t> </m:t>
                         </m:r>
                         <m:r>
-                          <a:rPr lang="en-US" sz="2400" i="1"/>
+                          <a:rPr lang="en-US" sz="2400" i="1">
+                            <a:latin typeface="Cambria Math" panose="02040503050406030204" pitchFamily="18" charset="0"/>
+                          </a:rPr>
                           <m:t>𝑅</m:t>
                         </m:r>
                       </m:e>
                       <m:sub>
                         <m:r>
-                          <a:rPr lang="en-US" sz="2400" i="1"/>
+                          <a:rPr lang="en-US" sz="2400" i="1">
+                            <a:latin typeface="Cambria Math" panose="02040503050406030204" pitchFamily="18" charset="0"/>
+                          </a:rPr>
                           <m:t>𝑖</m:t>
                         </m:r>
                       </m:sub>
@@ -6069,7 +7229,9 @@
                 <a14:m>
                   <m:oMath xmlns:m="http://schemas.openxmlformats.org/officeDocument/2006/math">
                     <m:r>
-                      <a:rPr lang="en-US" sz="2400" i="1"/>
+                      <a:rPr lang="en-US" sz="2400" i="1">
+                        <a:latin typeface="Cambria Math" panose="02040503050406030204" pitchFamily="18" charset="0"/>
+                      </a:rPr>
                       <m:t>𝑖</m:t>
                     </m:r>
                   </m:oMath>
@@ -6088,12 +7250,16 @@
                     <m:sSub>
                       <m:sSubPr>
                         <m:ctrlPr>
-                          <a:rPr lang="en-US" sz="2400" i="1"/>
+                          <a:rPr lang="en-US" sz="2400" i="1">
+                            <a:latin typeface="Cambria Math" panose="02040503050406030204" pitchFamily="18" charset="0"/>
+                          </a:rPr>
                         </m:ctrlPr>
                       </m:sSubPr>
                       <m:e>
                         <m:r>
-                          <a:rPr lang="en-US" sz="2400" i="1"/>
+                          <a:rPr lang="en-US" sz="2400" i="1">
+                            <a:latin typeface="Cambria Math" panose="02040503050406030204" pitchFamily="18" charset="0"/>
+                          </a:rPr>
                           <m:t>𝑧</m:t>
                         </m:r>
                       </m:e>
@@ -6101,28 +7267,38 @@
                         <m:sSub>
                           <m:sSubPr>
                             <m:ctrlPr>
-                              <a:rPr lang="en-US" sz="2400" i="1"/>
+                              <a:rPr lang="en-US" sz="2400" i="1">
+                                <a:latin typeface="Cambria Math" panose="02040503050406030204" pitchFamily="18" charset="0"/>
+                              </a:rPr>
                             </m:ctrlPr>
                           </m:sSubPr>
                           <m:e>
                             <m:r>
-                              <a:rPr lang="en-US" sz="2400" i="1"/>
+                              <a:rPr lang="en-US" sz="2400" i="1">
+                                <a:latin typeface="Cambria Math" panose="02040503050406030204" pitchFamily="18" charset="0"/>
+                              </a:rPr>
                               <m:t>𝑅</m:t>
                             </m:r>
                           </m:e>
                           <m:sub>
                             <m:r>
-                              <a:rPr lang="en-US" sz="2400" i="1"/>
+                              <a:rPr lang="en-US" sz="2400" i="1">
+                                <a:latin typeface="Cambria Math" panose="02040503050406030204" pitchFamily="18" charset="0"/>
+                              </a:rPr>
                               <m:t>𝑖</m:t>
                             </m:r>
                           </m:sub>
                         </m:sSub>
                         <m:r>
-                          <a:rPr lang="en-US" sz="2400" i="1"/>
+                          <a:rPr lang="en-US" sz="2400" i="1">
+                            <a:latin typeface="Cambria Math" panose="02040503050406030204" pitchFamily="18" charset="0"/>
+                          </a:rPr>
                           <m:t>,</m:t>
                         </m:r>
                         <m:r>
-                          <a:rPr lang="en-US" sz="2400" i="1"/>
+                          <a:rPr lang="en-US" sz="2400" i="1">
+                            <a:latin typeface="Cambria Math" panose="02040503050406030204" pitchFamily="18" charset="0"/>
+                          </a:rPr>
                           <m:t>𝑡</m:t>
                         </m:r>
                       </m:sub>
@@ -6131,7 +7307,11 @@
                 </a14:m>
                 <a:r>
                   <a:rPr lang="en-US" sz="2400" dirty="0"/>
-                  <a:t> : reported ILI rate of HHS Region </a:t>
+                  <a:t> : reported ILI rate </a:t>
+                </a:r>
+                <a:r>
+                  <a:rPr lang="en-US" sz="2400" dirty="0" smtClean="0"/>
+                  <a:t>of area </a:t>
                 </a:r>
                 <a14:m>
                   <m:oMath xmlns:m="http://schemas.openxmlformats.org/officeDocument/2006/math">
@@ -6169,7 +7349,7 @@
                       <m:sSubPr>
                         <m:ctrlPr>
                           <a:rPr lang="en-US" sz="2400" b="0" i="1" smtClean="0">
-                            <a:latin typeface="Cambria Math"/>
+                            <a:latin typeface="Cambria Math" panose="02040503050406030204" pitchFamily="18" charset="0"/>
                           </a:rPr>
                         </m:ctrlPr>
                       </m:sSubPr>
@@ -6218,7 +7398,7 @@
                       <m:sSubPr>
                         <m:ctrlPr>
                           <a:rPr lang="en-US" sz="2400" b="0" i="1" smtClean="0">
-                            <a:latin typeface="Cambria Math"/>
+                            <a:latin typeface="Cambria Math" panose="02040503050406030204" pitchFamily="18" charset="0"/>
                           </a:rPr>
                         </m:ctrlPr>
                       </m:sSubPr>
@@ -6235,7 +7415,7 @@
                           <m:sSubPr>
                             <m:ctrlPr>
                               <a:rPr lang="en-US" sz="2400" b="0" i="1" smtClean="0">
-                                <a:latin typeface="Cambria Math"/>
+                                <a:latin typeface="Cambria Math" panose="02040503050406030204" pitchFamily="18" charset="0"/>
                               </a:rPr>
                             </m:ctrlPr>
                           </m:sSubPr>
@@ -6262,37 +7442,26 @@
                 </a14:m>
                 <a:r>
                   <a:rPr lang="en-US" sz="2400" dirty="0"/>
-                  <a:t> : population of region </a:t>
+                  <a:t> : population of </a:t>
+                </a:r>
+                <a:r>
+                  <a:rPr lang="en-US" sz="2400" dirty="0"/>
+                  <a:t>area </a:t>
                 </a:r>
                 <a14:m>
                   <m:oMath xmlns:m="http://schemas.openxmlformats.org/officeDocument/2006/math">
-                    <m:sSub>
-                      <m:sSubPr>
-                        <m:ctrlPr>
-                          <a:rPr lang="en-US" sz="2400" b="0" i="1" dirty="0" smtClean="0">
-                            <a:latin typeface="Cambria Math"/>
-                          </a:rPr>
-                        </m:ctrlPr>
-                      </m:sSubPr>
-                      <m:e>
-                        <m:r>
-                          <a:rPr lang="en-US" sz="2400" b="0" i="1" dirty="0" smtClean="0">
-                            <a:latin typeface="Cambria Math"/>
-                          </a:rPr>
-                          <m:t>𝑅</m:t>
-                        </m:r>
-                      </m:e>
-                      <m:sub>
-                        <m:r>
-                          <a:rPr lang="en-US" sz="2400" i="1" dirty="0" smtClean="0">
-                            <a:latin typeface="Cambria Math"/>
-                          </a:rPr>
-                          <m:t>𝑖</m:t>
-                        </m:r>
-                      </m:sub>
-                    </m:sSub>
+                    <m:r>
+                      <a:rPr lang="en-US" sz="2400" i="1" dirty="0">
+                        <a:latin typeface="Cambria Math"/>
+                      </a:rPr>
+                      <m:t>𝑖</m:t>
+                    </m:r>
                   </m:oMath>
                 </a14:m>
+                <a:r>
+                  <a:rPr lang="en-US" sz="2400" dirty="0"/>
+                  <a:t> </a:t>
+                </a:r>
                 <a:endParaRPr lang="en-US" sz="2400" i="1" dirty="0"/>
               </a:p>
             </p:txBody>
@@ -6310,8 +7479,8 @@
               </p:nvPr>
             </p:nvSpPr>
             <p:spPr>
-              <a:blipFill rotWithShape="1">
-                <a:blip r:embed="rId2"/>
+              <a:blipFill rotWithShape="0">
+                <a:blip r:embed="rId3"/>
                 <a:stretch>
                   <a:fillRect l="-1111"/>
                 </a:stretch>
@@ -6483,8 +7652,13 @@
             <a:pPr lvl="1"/>
             <a:r>
               <a:rPr lang="en-US" dirty="0" smtClean="0"/>
-              <a:t>weekly ILI prevalence for the Prediction Regions (counties and districts)</a:t>
-            </a:r>
+              <a:t>weekly ILI prevalence for the Prediction Regions (</a:t>
+            </a:r>
+            <a:r>
+              <a:rPr lang="en-US" dirty="0" smtClean="0"/>
+              <a:t>counties)</a:t>
+            </a:r>
+            <a:endParaRPr lang="en-US" dirty="0" smtClean="0"/>
           </a:p>
           <a:p>
             <a:r>
@@ -6644,8 +7818,8 @@
           </a:p>
         </p:txBody>
       </p:sp>
-      <mc:AlternateContent xmlns:mc="http://schemas.openxmlformats.org/markup-compatibility/2006">
-        <mc:Choice xmlns:a14="http://schemas.microsoft.com/office/drawing/2010/main" Requires="a14">
+      <mc:AlternateContent xmlns:mc="http://schemas.openxmlformats.org/markup-compatibility/2006" xmlns:a14="http://schemas.microsoft.com/office/drawing/2010/main">
+        <mc:Choice Requires="a14">
           <p:sp>
             <p:nvSpPr>
               <p:cNvPr id="3" name="Content Placeholder 2"/>
@@ -6766,7 +7940,7 @@
             </p:txBody>
           </p:sp>
         </mc:Choice>
-        <mc:Fallback>
+        <mc:Fallback xmlns="">
           <p:sp>
             <p:nvSpPr>
               <p:cNvPr id="3" name="Content Placeholder 2"/>
@@ -7913,7 +9087,7 @@
                 <a:buChar char="•"/>
               </a:pPr>
               <a:r>
-                <a:rPr lang="en-US" dirty="0" smtClean="0"/>
+                <a:rPr lang="en-US" b="1" u="sng" dirty="0" smtClean="0"/>
                 <a:t>Sequence</a:t>
               </a:r>
             </a:p>
@@ -8807,11 +9981,7 @@
           <a:p>
             <a:r>
               <a:rPr lang="en-US" dirty="0" smtClean="0"/>
-              <a:t>CP#7 </a:t>
-            </a:r>
-            <a:r>
-              <a:rPr lang="en-US" dirty="0" smtClean="0"/>
-              <a:t>Next Evaluation Period</a:t>
+              <a:t>CP#7 Next Evaluation Period</a:t>
             </a:r>
             <a:endParaRPr lang="en-US" dirty="0"/>
           </a:p>
@@ -8841,46 +10011,21 @@
             <a:pPr lvl="1"/>
             <a:r>
               <a:rPr lang="en-US" sz="2400" dirty="0" smtClean="0"/>
-              <a:t>April </a:t>
-            </a:r>
+              <a:t>April 15-30: Beta Period</a:t>
+            </a:r>
+          </a:p>
+          <a:p>
+            <a:pPr lvl="1"/>
             <a:r>
               <a:rPr lang="en-US" sz="2400" dirty="0" smtClean="0"/>
-              <a:t>15-30: Beta Period</a:t>
+              <a:t>45 Days before PI meeting: Final Deadline for CP6 and CP7 solutions (~ June 6)</a:t>
             </a:r>
           </a:p>
           <a:p>
             <a:pPr lvl="1"/>
             <a:r>
               <a:rPr lang="en-US" sz="2400" dirty="0" smtClean="0"/>
-              <a:t>45 Days before PI meeting: Final Deadline for </a:t>
-            </a:r>
-            <a:r>
-              <a:rPr lang="en-US" sz="2400" dirty="0" smtClean="0"/>
-              <a:t>CP6 </a:t>
-            </a:r>
-            <a:r>
-              <a:rPr lang="en-US" sz="2400" dirty="0" smtClean="0"/>
-              <a:t>and </a:t>
-            </a:r>
-            <a:r>
-              <a:rPr lang="en-US" sz="2400" dirty="0" smtClean="0"/>
-              <a:t>CP7 solutions (~ June 6)</a:t>
-            </a:r>
-            <a:endParaRPr lang="en-US" sz="2400" dirty="0" smtClean="0"/>
-          </a:p>
-          <a:p>
-            <a:pPr lvl="1"/>
-            <a:r>
-              <a:rPr lang="en-US" sz="2400" dirty="0" smtClean="0"/>
-              <a:t>July ??: </a:t>
-            </a:r>
-            <a:r>
-              <a:rPr lang="en-US" sz="2400" dirty="0" smtClean="0"/>
-              <a:t>PI </a:t>
-            </a:r>
-            <a:r>
-              <a:rPr lang="en-US" sz="2400" dirty="0" smtClean="0"/>
-              <a:t>Meeting</a:t>
+              <a:t>July ??: PI Meeting</a:t>
             </a:r>
             <a:endParaRPr lang="en-US" sz="2400" dirty="0"/>
           </a:p>
@@ -9003,11 +10148,7 @@
           <a:p>
             <a:r>
               <a:rPr lang="en-US" dirty="0" smtClean="0"/>
-              <a:t>CP#7 </a:t>
-            </a:r>
-            <a:r>
-              <a:rPr lang="en-US" dirty="0" smtClean="0"/>
-              <a:t>Materials Available Now</a:t>
+              <a:t>CP#7 Materials Available Now</a:t>
             </a:r>
             <a:endParaRPr lang="en-US" dirty="0"/>
           </a:p>
@@ -9036,7 +10177,6 @@
               <a:rPr lang="en-US" sz="2400" dirty="0" smtClean="0"/>
               <a:t>ppaml.galois.com/wiki/wiki/??? </a:t>
             </a:r>
-            <a:endParaRPr lang="en-US" sz="2400" dirty="0" smtClean="0"/>
           </a:p>
           <a:p>
             <a:r>
@@ -9096,11 +10236,7 @@
             </a:pPr>
             <a:r>
               <a:rPr lang="en-US" sz="2400" u="sng" dirty="0" smtClean="0"/>
-              <a:t>Micro-breakout </a:t>
-            </a:r>
-            <a:r>
-              <a:rPr lang="en-US" sz="2400" u="sng" dirty="0" smtClean="0"/>
-              <a:t>??? at ???</a:t>
+              <a:t>Micro-breakout ??? at ???</a:t>
             </a:r>
             <a:endParaRPr lang="en-US" sz="2400" dirty="0"/>
           </a:p>
@@ -9272,11 +10408,7 @@
             </a:pPr>
             <a:r>
               <a:rPr lang="en-US" dirty="0" smtClean="0"/>
-              <a:t>Micro-Breakout ?? </a:t>
-            </a:r>
-            <a:r>
-              <a:rPr lang="en-US" dirty="0" smtClean="0"/>
-              <a:t>at ??</a:t>
+              <a:t>Micro-Breakout ?? at ??</a:t>
             </a:r>
             <a:endParaRPr lang="en-US" dirty="0"/>
           </a:p>
@@ -9963,7 +11095,19 @@
           <a:p>
             <a:r>
               <a:rPr lang="en-US" dirty="0" smtClean="0"/>
-              <a:t>State and County Reports</a:t>
+              <a:t>State and </a:t>
+            </a:r>
+            <a:r>
+              <a:rPr lang="en-US" dirty="0" smtClean="0"/>
+              <a:t>District</a:t>
+            </a:r>
+            <a:r>
+              <a:rPr lang="en-US" dirty="0" smtClean="0"/>
+              <a:t> </a:t>
+            </a:r>
+            <a:r>
+              <a:rPr lang="en-US" dirty="0" smtClean="0"/>
+              <a:t>Reports</a:t>
             </a:r>
             <a:br>
               <a:rPr lang="en-US" dirty="0" smtClean="0"/>
@@ -9993,7 +11137,15 @@
           <a:p>
             <a:r>
               <a:rPr lang="en-US" dirty="0" smtClean="0"/>
-              <a:t>County-level data</a:t>
+              <a:t>State</a:t>
+            </a:r>
+            <a:r>
+              <a:rPr lang="en-US" dirty="0" smtClean="0"/>
+              <a:t>-level </a:t>
+            </a:r>
+            <a:r>
+              <a:rPr lang="en-US" dirty="0" smtClean="0"/>
+              <a:t>data</a:t>
             </a:r>
           </a:p>
           <a:p>
@@ -10019,7 +11171,6 @@
               <a:rPr lang="en-US" dirty="0"/>
               <a:t>Mississippi and Tennessee</a:t>
             </a:r>
-            <a:endParaRPr lang="en-US" dirty="0"/>
           </a:p>
         </p:txBody>
       </p:sp>
@@ -10141,7 +11292,7 @@
         </p:spPr>
         <p:txBody>
           <a:bodyPr>
-            <a:normAutofit lnSpcReduction="10000"/>
+            <a:normAutofit/>
           </a:bodyPr>
           <a:lstStyle/>
           <a:p>
@@ -10161,8 +11312,13 @@
             <a:pPr lvl="1"/>
             <a:r>
               <a:rPr lang="en-US" dirty="0" smtClean="0"/>
-              <a:t>number of tweets (not retweets; no multiple tweets from same user within 5 days)</a:t>
-            </a:r>
+              <a:t>number of tweets (not </a:t>
+            </a:r>
+            <a:r>
+              <a:rPr lang="en-US" dirty="0" smtClean="0"/>
+              <a:t>retweets)</a:t>
+            </a:r>
+            <a:endParaRPr lang="en-US" dirty="0" smtClean="0"/>
           </a:p>
           <a:p>
             <a:r>
@@ -10415,8 +11571,8 @@
           </a:p>
         </p:txBody>
       </p:sp>
-      <mc:AlternateContent xmlns:mc="http://schemas.openxmlformats.org/markup-compatibility/2006">
-        <mc:Choice xmlns:a14="http://schemas.microsoft.com/office/drawing/2010/main" Requires="a14">
+      <mc:AlternateContent xmlns:mc="http://schemas.openxmlformats.org/markup-compatibility/2006" xmlns:a14="http://schemas.microsoft.com/office/drawing/2010/main">
+        <mc:Choice Requires="a14">
           <p:sp>
             <p:nvSpPr>
               <p:cNvPr id="3" name="Content Placeholder 2"/>
@@ -10452,7 +11608,7 @@
                       <m:sSubPr>
                         <m:ctrlPr>
                           <a:rPr lang="en-US" sz="1800" b="0" i="1" smtClean="0">
-                            <a:latin typeface="Cambria Math"/>
+                            <a:latin typeface="Cambria Math" panose="02040503050406030204" pitchFamily="18" charset="0"/>
                           </a:rPr>
                         </m:ctrlPr>
                       </m:sSubPr>
@@ -10544,25 +11700,35 @@
                 <a14:m>
                   <m:oMath xmlns:m="http://schemas.openxmlformats.org/officeDocument/2006/math">
                     <m:r>
-                      <a:rPr lang="en-US" sz="1800" i="1"/>
+                      <a:rPr lang="en-US" sz="1800" i="1">
+                        <a:latin typeface="Cambria Math" panose="02040503050406030204" pitchFamily="18" charset="0"/>
+                      </a:rPr>
                       <m:t>𝑝</m:t>
                     </m:r>
                     <m:r>
-                      <a:rPr lang="en-US" sz="1800" i="1"/>
+                      <a:rPr lang="en-US" sz="1800" i="1">
+                        <a:latin typeface="Cambria Math" panose="02040503050406030204" pitchFamily="18" charset="0"/>
+                      </a:rPr>
                       <m:t>(</m:t>
                     </m:r>
                     <m:r>
-                      <a:rPr lang="en-US" sz="1800" i="1"/>
+                      <a:rPr lang="en-US" sz="1800" i="1">
+                        <a:latin typeface="Cambria Math" panose="02040503050406030204" pitchFamily="18" charset="0"/>
+                      </a:rPr>
                       <m:t>𝑌</m:t>
                     </m:r>
                     <m:r>
-                      <a:rPr lang="en-US" sz="1800" i="1"/>
+                      <a:rPr lang="en-US" sz="1800" i="1">
+                        <a:latin typeface="Cambria Math" panose="02040503050406030204" pitchFamily="18" charset="0"/>
+                      </a:rPr>
                       <m:t>)∝</m:t>
                     </m:r>
                     <m:func>
                       <m:funcPr>
                         <m:ctrlPr>
-                          <a:rPr lang="en-US" sz="1800" i="1"/>
+                          <a:rPr lang="en-US" sz="1800" i="1">
+                            <a:latin typeface="Cambria Math" panose="02040503050406030204" pitchFamily="18" charset="0"/>
+                          </a:rPr>
                         </m:ctrlPr>
                       </m:funcPr>
                       <m:fName>
@@ -10570,7 +11736,9 @@
                           <m:rPr>
                             <m:sty m:val="p"/>
                           </m:rPr>
-                          <a:rPr lang="en-US" sz="1800"/>
+                          <a:rPr lang="en-US" sz="1800">
+                            <a:latin typeface="Cambria Math" panose="02040503050406030204" pitchFamily="18" charset="0"/>
+                          </a:rPr>
                           <m:t>exp</m:t>
                         </m:r>
                       </m:fName>
@@ -10578,18 +11746,24 @@
                         <m:d>
                           <m:dPr>
                             <m:ctrlPr>
-                              <a:rPr lang="en-US" sz="1800" i="1"/>
+                              <a:rPr lang="en-US" sz="1800" i="1">
+                                <a:latin typeface="Cambria Math" panose="02040503050406030204" pitchFamily="18" charset="0"/>
+                              </a:rPr>
                             </m:ctrlPr>
                           </m:dPr>
                           <m:e>
                             <m:r>
-                              <a:rPr lang="en-US" sz="1800" i="1"/>
+                              <a:rPr lang="en-US" sz="1800" i="1">
+                                <a:latin typeface="Cambria Math" panose="02040503050406030204" pitchFamily="18" charset="0"/>
+                              </a:rPr>
                               <m:t>−</m:t>
                             </m:r>
                             <m:box>
                               <m:boxPr>
                                 <m:ctrlPr>
-                                  <a:rPr lang="en-US" sz="1800" i="1"/>
+                                  <a:rPr lang="en-US" sz="1800" i="1">
+                                    <a:latin typeface="Cambria Math" panose="02040503050406030204" pitchFamily="18" charset="0"/>
+                                  </a:rPr>
                                 </m:ctrlPr>
                               </m:boxPr>
                               <m:e>
@@ -10599,18 +11773,24 @@
                                 <m:f>
                                   <m:fPr>
                                     <m:ctrlPr>
-                                      <a:rPr lang="en-US" sz="1800" i="1"/>
+                                      <a:rPr lang="en-US" sz="1800" i="1">
+                                        <a:latin typeface="Cambria Math" panose="02040503050406030204" pitchFamily="18" charset="0"/>
+                                      </a:rPr>
                                     </m:ctrlPr>
                                   </m:fPr>
                                   <m:num>
                                     <m:r>
-                                      <a:rPr lang="en-US" sz="1800" i="1"/>
+                                      <a:rPr lang="en-US" sz="1800" i="1">
+                                        <a:latin typeface="Cambria Math" panose="02040503050406030204" pitchFamily="18" charset="0"/>
+                                      </a:rPr>
                                       <m:t>1</m:t>
                                     </m:r>
                                   </m:num>
                                   <m:den>
                                     <m:r>
-                                      <a:rPr lang="en-US" sz="1800" i="1"/>
+                                      <a:rPr lang="en-US" sz="1800" i="1">
+                                        <a:latin typeface="Cambria Math" panose="02040503050406030204" pitchFamily="18" charset="0"/>
+                                      </a:rPr>
                                       <m:t>2</m:t>
                                     </m:r>
                                   </m:den>
@@ -10620,18 +11800,24 @@
                             <m:sSub>
                               <m:sSubPr>
                                 <m:ctrlPr>
-                                  <a:rPr lang="en-US" sz="1800" i="1"/>
+                                  <a:rPr lang="en-US" sz="1800" i="1">
+                                    <a:latin typeface="Cambria Math" panose="02040503050406030204" pitchFamily="18" charset="0"/>
+                                  </a:rPr>
                                 </m:ctrlPr>
                               </m:sSubPr>
                               <m:e>
                                 <m:r>
-                                  <a:rPr lang="en-US" sz="1800" i="1"/>
+                                  <a:rPr lang="en-US" sz="1800" i="1">
+                                    <a:latin typeface="Cambria Math" panose="02040503050406030204" pitchFamily="18" charset="0"/>
+                                  </a:rPr>
                                   <m:t>𝜏</m:t>
                                 </m:r>
                               </m:e>
                               <m:sub>
                                 <m:r>
-                                  <a:rPr lang="en-US" sz="1800" i="1"/>
+                                  <a:rPr lang="en-US" sz="1800" i="1">
+                                    <a:latin typeface="Cambria Math" panose="02040503050406030204" pitchFamily="18" charset="0"/>
+                                  </a:rPr>
                                   <m:t>1</m:t>
                                 </m:r>
                               </m:sub>
@@ -10639,59 +11825,81 @@
                             <m:sSup>
                               <m:sSupPr>
                                 <m:ctrlPr>
-                                  <a:rPr lang="en-US" sz="1800" i="1"/>
+                                  <a:rPr lang="en-US" sz="1800" i="1">
+                                    <a:latin typeface="Cambria Math" panose="02040503050406030204" pitchFamily="18" charset="0"/>
+                                  </a:rPr>
                                 </m:ctrlPr>
                               </m:sSupPr>
                               <m:e>
                                 <m:r>
-                                  <a:rPr lang="en-US" sz="1800" i="1"/>
+                                  <a:rPr lang="en-US" sz="1800" i="1">
+                                    <a:latin typeface="Cambria Math" panose="02040503050406030204" pitchFamily="18" charset="0"/>
+                                  </a:rPr>
                                   <m:t>𝑌</m:t>
                                 </m:r>
                               </m:e>
                               <m:sup>
                                 <m:r>
-                                  <a:rPr lang="en-US" sz="1800" i="1"/>
+                                  <a:rPr lang="en-US" sz="1800" i="1">
+                                    <a:latin typeface="Cambria Math" panose="02040503050406030204" pitchFamily="18" charset="0"/>
+                                  </a:rPr>
                                   <m:t>𝑇</m:t>
                                 </m:r>
                               </m:sup>
                             </m:sSup>
                             <m:r>
-                              <a:rPr lang="en-US" sz="1800" i="1"/>
+                              <a:rPr lang="en-US" sz="1800" i="1">
+                                <a:latin typeface="Cambria Math" panose="02040503050406030204" pitchFamily="18" charset="0"/>
+                              </a:rPr>
                               <m:t>(</m:t>
                             </m:r>
                             <m:sSub>
                               <m:sSubPr>
                                 <m:ctrlPr>
-                                  <a:rPr lang="en-US" sz="1800" i="1"/>
+                                  <a:rPr lang="en-US" sz="1800" i="1">
+                                    <a:latin typeface="Cambria Math" panose="02040503050406030204" pitchFamily="18" charset="0"/>
+                                  </a:rPr>
                                 </m:ctrlPr>
                               </m:sSubPr>
                               <m:e>
                                 <m:r>
-                                  <a:rPr lang="en-US" sz="1800" i="1"/>
+                                  <a:rPr lang="en-US" sz="1800" i="1">
+                                    <a:latin typeface="Cambria Math" panose="02040503050406030204" pitchFamily="18" charset="0"/>
+                                  </a:rPr>
                                   <m:t>𝐷</m:t>
                                 </m:r>
                               </m:e>
                               <m:sub>
                                 <m:r>
-                                  <a:rPr lang="en-US" sz="1800" i="1"/>
+                                  <a:rPr lang="en-US" sz="1800" i="1">
+                                    <a:latin typeface="Cambria Math" panose="02040503050406030204" pitchFamily="18" charset="0"/>
+                                  </a:rPr>
                                   <m:t>𝑤</m:t>
                                 </m:r>
                               </m:sub>
                             </m:sSub>
                             <m:r>
-                              <a:rPr lang="en-US" sz="1800" i="1"/>
+                              <a:rPr lang="en-US" sz="1800" i="1">
+                                <a:latin typeface="Cambria Math" panose="02040503050406030204" pitchFamily="18" charset="0"/>
+                              </a:rPr>
                               <m:t>−</m:t>
                             </m:r>
                             <m:r>
-                              <a:rPr lang="en-US" sz="1800" i="1"/>
+                              <a:rPr lang="en-US" sz="1800" i="1">
+                                <a:latin typeface="Cambria Math" panose="02040503050406030204" pitchFamily="18" charset="0"/>
+                              </a:rPr>
                               <m:t>𝑊</m:t>
                             </m:r>
                             <m:r>
-                              <a:rPr lang="en-US" sz="1800" i="1"/>
+                              <a:rPr lang="en-US" sz="1800" i="1">
+                                <a:latin typeface="Cambria Math" panose="02040503050406030204" pitchFamily="18" charset="0"/>
+                              </a:rPr>
                               <m:t>) </m:t>
                             </m:r>
                             <m:r>
-                              <a:rPr lang="en-US" sz="1800" i="1"/>
+                              <a:rPr lang="en-US" sz="1800" i="1">
+                                <a:latin typeface="Cambria Math" panose="02040503050406030204" pitchFamily="18" charset="0"/>
+                              </a:rPr>
                               <m:t>𝑌</m:t>
                             </m:r>
                           </m:e>
@@ -10738,7 +11946,9 @@
                           <m:begChr m:val="{"/>
                           <m:endChr m:val=""/>
                           <m:ctrlPr>
-                            <a:rPr lang="en-US" sz="1800" i="1"/>
+                            <a:rPr lang="en-US" sz="1800" i="1">
+                              <a:latin typeface="Cambria Math" panose="02040503050406030204" pitchFamily="18" charset="0"/>
+                            </a:rPr>
                           </m:ctrlPr>
                         </m:dPr>
                         <m:e>
@@ -10753,7 +11963,9 @@
                                 </m:mc>
                               </m:mcs>
                               <m:ctrlPr>
-                                <a:rPr lang="en-US" sz="1800" i="1"/>
+                                <a:rPr lang="en-US" sz="1800" i="1">
+                                  <a:latin typeface="Cambria Math" panose="02040503050406030204" pitchFamily="18" charset="0"/>
+                                </a:rPr>
                               </m:ctrlPr>
                             </m:mPr>
                             <m:mr>
@@ -10769,7 +11981,9 @@
                                       </m:mc>
                                     </m:mcs>
                                     <m:ctrlPr>
-                                      <a:rPr lang="en-US" sz="1800" i="1"/>
+                                      <a:rPr lang="en-US" sz="1800" i="1">
+                                        <a:latin typeface="Cambria Math" panose="02040503050406030204" pitchFamily="18" charset="0"/>
+                                      </a:rPr>
                                     </m:ctrlPr>
                                   </m:mPr>
                                   <m:mr>
@@ -10777,12 +11991,16 @@
                                       <m:sSub>
                                         <m:sSubPr>
                                           <m:ctrlPr>
-                                            <a:rPr lang="en-US" sz="1800" i="1"/>
+                                            <a:rPr lang="en-US" sz="1800" i="1">
+                                              <a:latin typeface="Cambria Math" panose="02040503050406030204" pitchFamily="18" charset="0"/>
+                                            </a:rPr>
                                           </m:ctrlPr>
                                         </m:sSubPr>
                                         <m:e>
                                           <m:r>
-                                            <a:rPr lang="en-US" sz="1800" i="1"/>
+                                            <a:rPr lang="en-US" sz="1800" i="1">
+                                              <a:latin typeface="Cambria Math" panose="02040503050406030204" pitchFamily="18" charset="0"/>
+                                            </a:rPr>
                                             <m:t>𝑤</m:t>
                                           </m:r>
                                         </m:e>
@@ -10790,20 +12008,28 @@
                                           <m:d>
                                             <m:dPr>
                                               <m:ctrlPr>
-                                                <a:rPr lang="en-US" sz="1800" i="1"/>
+                                                <a:rPr lang="en-US" sz="1800" i="1">
+                                                  <a:latin typeface="Cambria Math" panose="02040503050406030204" pitchFamily="18" charset="0"/>
+                                                </a:rPr>
                                               </m:ctrlPr>
                                             </m:dPr>
                                             <m:e>
                                               <m:r>
-                                                <a:rPr lang="en-US" sz="1800" i="1"/>
+                                                <a:rPr lang="en-US" sz="1800" i="1">
+                                                  <a:latin typeface="Cambria Math" panose="02040503050406030204" pitchFamily="18" charset="0"/>
+                                                </a:rPr>
                                                 <m:t>𝑐</m:t>
                                               </m:r>
                                               <m:r>
-                                                <a:rPr lang="en-US" sz="1800" i="1"/>
+                                                <a:rPr lang="en-US" sz="1800" i="1">
+                                                  <a:latin typeface="Cambria Math" panose="02040503050406030204" pitchFamily="18" charset="0"/>
+                                                </a:rPr>
                                                 <m:t>,</m:t>
                                               </m:r>
                                               <m:r>
-                                                <a:rPr lang="en-US" sz="1800" i="1"/>
+                                                <a:rPr lang="en-US" sz="1800" i="1">
+                                                  <a:latin typeface="Cambria Math" panose="02040503050406030204" pitchFamily="18" charset="0"/>
+                                                </a:rPr>
                                                 <m:t>𝑡</m:t>
                                               </m:r>
                                             </m:e>
@@ -10811,20 +12037,28 @@
                                           <m:d>
                                             <m:dPr>
                                               <m:ctrlPr>
-                                                <a:rPr lang="en-US" sz="1800" i="1"/>
+                                                <a:rPr lang="en-US" sz="1800" i="1">
+                                                  <a:latin typeface="Cambria Math" panose="02040503050406030204" pitchFamily="18" charset="0"/>
+                                                </a:rPr>
                                               </m:ctrlPr>
                                             </m:dPr>
                                             <m:e>
                                               <m:r>
-                                                <a:rPr lang="en-US" sz="1800" i="1"/>
+                                                <a:rPr lang="en-US" sz="1800" i="1">
+                                                  <a:latin typeface="Cambria Math" panose="02040503050406030204" pitchFamily="18" charset="0"/>
+                                                </a:rPr>
                                                 <m:t>𝑐</m:t>
                                               </m:r>
                                               <m:r>
-                                                <a:rPr lang="en-US" sz="1800" i="1"/>
+                                                <a:rPr lang="en-US" sz="1800" i="1">
+                                                  <a:latin typeface="Cambria Math" panose="02040503050406030204" pitchFamily="18" charset="0"/>
+                                                </a:rPr>
                                                 <m:t>,</m:t>
                                               </m:r>
                                               <m:r>
-                                                <a:rPr lang="en-US" sz="1800" i="1"/>
+                                                <a:rPr lang="en-US" sz="1800" i="1">
+                                                  <a:latin typeface="Cambria Math" panose="02040503050406030204" pitchFamily="18" charset="0"/>
+                                                </a:rPr>
                                                 <m:t>𝑗</m:t>
                                               </m:r>
                                             </m:e>
@@ -10832,11 +12066,15 @@
                                         </m:sub>
                                       </m:sSub>
                                       <m:r>
-                                        <a:rPr lang="en-US" sz="1800" i="1"/>
+                                        <a:rPr lang="en-US" sz="1800" i="1">
+                                          <a:latin typeface="Cambria Math" panose="02040503050406030204" pitchFamily="18" charset="0"/>
+                                        </a:rPr>
                                         <m:t>=</m:t>
                                       </m:r>
                                       <m:r>
-                                        <a:rPr lang="en-US" sz="1800" i="1"/>
+                                        <a:rPr lang="en-US" sz="1800" i="1">
+                                          <a:latin typeface="Cambria Math" panose="02040503050406030204" pitchFamily="18" charset="0"/>
+                                        </a:rPr>
                                         <m:t>𝜌</m:t>
                                       </m:r>
                                     </m:e>
@@ -10845,46 +12083,66 @@
                                         <m:rPr>
                                           <m:sty m:val="p"/>
                                         </m:rPr>
-                                        <a:rPr lang="en-US" sz="1800"/>
+                                        <a:rPr lang="en-US" sz="1800">
+                                          <a:latin typeface="Cambria Math" panose="02040503050406030204" pitchFamily="18" charset="0"/>
+                                        </a:rPr>
                                         <m:t>where</m:t>
                                       </m:r>
                                       <m:r>
-                                        <a:rPr lang="en-US" sz="1800"/>
+                                        <a:rPr lang="en-US" sz="1800">
+                                          <a:latin typeface="Cambria Math" panose="02040503050406030204" pitchFamily="18" charset="0"/>
+                                        </a:rPr>
                                         <m:t> </m:t>
                                       </m:r>
                                       <m:r>
-                                        <a:rPr lang="en-US" sz="1800" i="1"/>
+                                        <a:rPr lang="en-US" sz="1800" i="1">
+                                          <a:latin typeface="Cambria Math" panose="02040503050406030204" pitchFamily="18" charset="0"/>
+                                        </a:rPr>
                                         <m:t>𝑗</m:t>
                                       </m:r>
                                       <m:r>
-                                        <a:rPr lang="en-US" sz="1800" i="1"/>
+                                        <a:rPr lang="en-US" sz="1800" i="1">
+                                          <a:latin typeface="Cambria Math" panose="02040503050406030204" pitchFamily="18" charset="0"/>
+                                        </a:rPr>
                                         <m:t>=</m:t>
                                       </m:r>
                                       <m:r>
-                                        <a:rPr lang="en-US" sz="1800" i="1"/>
+                                        <a:rPr lang="en-US" sz="1800" i="1">
+                                          <a:latin typeface="Cambria Math" panose="02040503050406030204" pitchFamily="18" charset="0"/>
+                                        </a:rPr>
                                         <m:t>𝑡</m:t>
                                       </m:r>
                                       <m:r>
-                                        <a:rPr lang="en-US" sz="1800" i="1"/>
+                                        <a:rPr lang="en-US" sz="1800" i="1">
+                                          <a:latin typeface="Cambria Math" panose="02040503050406030204" pitchFamily="18" charset="0"/>
+                                        </a:rPr>
                                         <m:t>−1  </m:t>
                                       </m:r>
                                       <m:r>
                                         <m:rPr>
                                           <m:sty m:val="p"/>
                                         </m:rPr>
-                                        <a:rPr lang="en-US" sz="1800"/>
+                                        <a:rPr lang="en-US" sz="1800">
+                                          <a:latin typeface="Cambria Math" panose="02040503050406030204" pitchFamily="18" charset="0"/>
+                                        </a:rPr>
                                         <m:t>or</m:t>
                                       </m:r>
                                       <m:r>
-                                        <a:rPr lang="en-US" sz="1800" i="1"/>
+                                        <a:rPr lang="en-US" sz="1800" i="1">
+                                          <a:latin typeface="Cambria Math" panose="02040503050406030204" pitchFamily="18" charset="0"/>
+                                        </a:rPr>
                                         <m:t>  </m:t>
                                       </m:r>
                                       <m:r>
-                                        <a:rPr lang="en-US" sz="1800" i="1"/>
+                                        <a:rPr lang="en-US" sz="1800" i="1">
+                                          <a:latin typeface="Cambria Math" panose="02040503050406030204" pitchFamily="18" charset="0"/>
+                                        </a:rPr>
                                         <m:t>𝑡</m:t>
                                       </m:r>
                                       <m:r>
-                                        <a:rPr lang="en-US" sz="1800" i="1"/>
+                                        <a:rPr lang="en-US" sz="1800" i="1">
+                                          <a:latin typeface="Cambria Math" panose="02040503050406030204" pitchFamily="18" charset="0"/>
+                                        </a:rPr>
                                         <m:t>+1, </m:t>
                                       </m:r>
                                     </m:e>
@@ -10894,12 +12152,16 @@
                                       <m:sSub>
                                         <m:sSubPr>
                                           <m:ctrlPr>
-                                            <a:rPr lang="en-US" sz="1800" i="1"/>
+                                            <a:rPr lang="en-US" sz="1800" i="1">
+                                              <a:latin typeface="Cambria Math" panose="02040503050406030204" pitchFamily="18" charset="0"/>
+                                            </a:rPr>
                                           </m:ctrlPr>
                                         </m:sSubPr>
                                         <m:e>
                                           <m:r>
-                                            <a:rPr lang="en-US" sz="1800" i="1"/>
+                                            <a:rPr lang="en-US" sz="1800" i="1">
+                                              <a:latin typeface="Cambria Math" panose="02040503050406030204" pitchFamily="18" charset="0"/>
+                                            </a:rPr>
                                             <m:t>𝑤</m:t>
                                           </m:r>
                                         </m:e>
@@ -10907,20 +12169,28 @@
                                           <m:d>
                                             <m:dPr>
                                               <m:ctrlPr>
-                                                <a:rPr lang="en-US" sz="1800" i="1"/>
+                                                <a:rPr lang="en-US" sz="1800" i="1">
+                                                  <a:latin typeface="Cambria Math" panose="02040503050406030204" pitchFamily="18" charset="0"/>
+                                                </a:rPr>
                                               </m:ctrlPr>
                                             </m:dPr>
                                             <m:e>
                                               <m:r>
-                                                <a:rPr lang="en-US" sz="1800" i="1"/>
+                                                <a:rPr lang="en-US" sz="1800" i="1">
+                                                  <a:latin typeface="Cambria Math" panose="02040503050406030204" pitchFamily="18" charset="0"/>
+                                                </a:rPr>
                                                 <m:t>𝑐</m:t>
                                               </m:r>
                                               <m:r>
-                                                <a:rPr lang="en-US" sz="1800" i="1"/>
+                                                <a:rPr lang="en-US" sz="1800" i="1">
+                                                  <a:latin typeface="Cambria Math" panose="02040503050406030204" pitchFamily="18" charset="0"/>
+                                                </a:rPr>
                                                 <m:t>,</m:t>
                                               </m:r>
                                               <m:r>
-                                                <a:rPr lang="en-US" sz="1800" i="1"/>
+                                                <a:rPr lang="en-US" sz="1800" i="1">
+                                                  <a:latin typeface="Cambria Math" panose="02040503050406030204" pitchFamily="18" charset="0"/>
+                                                </a:rPr>
                                                 <m:t>𝑡</m:t>
                                               </m:r>
                                             </m:e>
@@ -10928,20 +12198,28 @@
                                           <m:d>
                                             <m:dPr>
                                               <m:ctrlPr>
-                                                <a:rPr lang="en-US" sz="1800" i="1"/>
+                                                <a:rPr lang="en-US" sz="1800" i="1">
+                                                  <a:latin typeface="Cambria Math" panose="02040503050406030204" pitchFamily="18" charset="0"/>
+                                                </a:rPr>
                                               </m:ctrlPr>
                                             </m:dPr>
                                             <m:e>
                                               <m:r>
-                                                <a:rPr lang="en-US" sz="1800" i="1"/>
+                                                <a:rPr lang="en-US" sz="1800" i="1">
+                                                  <a:latin typeface="Cambria Math" panose="02040503050406030204" pitchFamily="18" charset="0"/>
+                                                </a:rPr>
                                                 <m:t>𝑖</m:t>
                                               </m:r>
                                               <m:r>
-                                                <a:rPr lang="en-US" sz="1800" i="1"/>
+                                                <a:rPr lang="en-US" sz="1800" i="1">
+                                                  <a:latin typeface="Cambria Math" panose="02040503050406030204" pitchFamily="18" charset="0"/>
+                                                </a:rPr>
                                                 <m:t>,</m:t>
                                               </m:r>
                                               <m:r>
-                                                <a:rPr lang="en-US" sz="1800" i="1"/>
+                                                <a:rPr lang="en-US" sz="1800" i="1">
+                                                  <a:latin typeface="Cambria Math" panose="02040503050406030204" pitchFamily="18" charset="0"/>
+                                                </a:rPr>
                                                 <m:t>𝑡</m:t>
                                               </m:r>
                                             </m:e>
@@ -10949,7 +12227,9 @@
                                         </m:sub>
                                       </m:sSub>
                                       <m:r>
-                                        <a:rPr lang="en-US" sz="1800" i="1"/>
+                                        <a:rPr lang="en-US" sz="1800" i="1">
+                                          <a:latin typeface="Cambria Math" panose="02040503050406030204" pitchFamily="18" charset="0"/>
+                                        </a:rPr>
                                         <m:t>=1</m:t>
                                       </m:r>
                                     </m:e>
@@ -10958,19 +12238,27 @@
                                         <m:rPr>
                                           <m:sty m:val="p"/>
                                         </m:rPr>
-                                        <a:rPr lang="en-US" sz="1800"/>
+                                        <a:rPr lang="en-US" sz="1800">
+                                          <a:latin typeface="Cambria Math" panose="02040503050406030204" pitchFamily="18" charset="0"/>
+                                        </a:rPr>
                                         <m:t>if</m:t>
                                       </m:r>
                                       <m:r>
-                                        <a:rPr lang="en-US" sz="1800"/>
+                                        <a:rPr lang="en-US" sz="1800">
+                                          <a:latin typeface="Cambria Math" panose="02040503050406030204" pitchFamily="18" charset="0"/>
+                                        </a:rPr>
                                         <m:t> </m:t>
                                       </m:r>
                                       <m:r>
-                                        <a:rPr lang="en-US" sz="1800" i="1"/>
+                                        <a:rPr lang="en-US" sz="1800" i="1">
+                                          <a:latin typeface="Cambria Math" panose="02040503050406030204" pitchFamily="18" charset="0"/>
+                                        </a:rPr>
                                         <m:t>𝑖</m:t>
                                       </m:r>
                                       <m:r>
-                                        <a:rPr lang="en-US" sz="1800" i="1"/>
+                                        <a:rPr lang="en-US" sz="1800" i="1">
+                                          <a:latin typeface="Cambria Math" panose="02040503050406030204" pitchFamily="18" charset="0"/>
+                                        </a:rPr>
                                         <m:t> </m:t>
                                       </m:r>
                                       <m:r>
@@ -11051,7 +12339,9 @@
                                         <m:t> </m:t>
                                       </m:r>
                                       <m:r>
-                                        <a:rPr lang="en-US" sz="1800" i="1"/>
+                                        <a:rPr lang="en-US" sz="1800" i="1">
+                                          <a:latin typeface="Cambria Math" panose="02040503050406030204" pitchFamily="18" charset="0"/>
+                                        </a:rPr>
                                         <m:t>𝑐</m:t>
                                       </m:r>
                                     </m:e>
@@ -11061,12 +12351,16 @@
                                       <m:sSub>
                                         <m:sSubPr>
                                           <m:ctrlPr>
-                                            <a:rPr lang="en-US" sz="1800" i="1"/>
+                                            <a:rPr lang="en-US" sz="1800" i="1">
+                                              <a:latin typeface="Cambria Math" panose="02040503050406030204" pitchFamily="18" charset="0"/>
+                                            </a:rPr>
                                           </m:ctrlPr>
                                         </m:sSubPr>
                                         <m:e>
                                           <m:r>
-                                            <a:rPr lang="en-US" sz="1800" i="1"/>
+                                            <a:rPr lang="en-US" sz="1800" i="1">
+                                              <a:latin typeface="Cambria Math" panose="02040503050406030204" pitchFamily="18" charset="0"/>
+                                            </a:rPr>
                                             <m:t>𝑤</m:t>
                                           </m:r>
                                         </m:e>
@@ -11074,20 +12368,28 @@
                                           <m:d>
                                             <m:dPr>
                                               <m:ctrlPr>
-                                                <a:rPr lang="en-US" sz="1800" i="1"/>
+                                                <a:rPr lang="en-US" sz="1800" i="1">
+                                                  <a:latin typeface="Cambria Math" panose="02040503050406030204" pitchFamily="18" charset="0"/>
+                                                </a:rPr>
                                               </m:ctrlPr>
                                             </m:dPr>
                                             <m:e>
                                               <m:r>
-                                                <a:rPr lang="en-US" sz="1800" i="1"/>
+                                                <a:rPr lang="en-US" sz="1800" i="1">
+                                                  <a:latin typeface="Cambria Math" panose="02040503050406030204" pitchFamily="18" charset="0"/>
+                                                </a:rPr>
                                                 <m:t>𝑐</m:t>
                                               </m:r>
                                               <m:r>
-                                                <a:rPr lang="en-US" sz="1800" i="1"/>
+                                                <a:rPr lang="en-US" sz="1800" i="1">
+                                                  <a:latin typeface="Cambria Math" panose="02040503050406030204" pitchFamily="18" charset="0"/>
+                                                </a:rPr>
                                                 <m:t>,</m:t>
                                               </m:r>
                                               <m:r>
-                                                <a:rPr lang="en-US" sz="1800" i="1"/>
+                                                <a:rPr lang="en-US" sz="1800" i="1">
+                                                  <a:latin typeface="Cambria Math" panose="02040503050406030204" pitchFamily="18" charset="0"/>
+                                                </a:rPr>
                                                 <m:t>𝑡</m:t>
                                               </m:r>
                                             </m:e>
@@ -11095,20 +12397,28 @@
                                           <m:d>
                                             <m:dPr>
                                               <m:ctrlPr>
-                                                <a:rPr lang="en-US" sz="1800" i="1"/>
+                                                <a:rPr lang="en-US" sz="1800" i="1">
+                                                  <a:latin typeface="Cambria Math" panose="02040503050406030204" pitchFamily="18" charset="0"/>
+                                                </a:rPr>
                                               </m:ctrlPr>
                                             </m:dPr>
                                             <m:e>
                                               <m:r>
-                                                <a:rPr lang="en-US" sz="1800" i="1"/>
+                                                <a:rPr lang="en-US" sz="1800" i="1">
+                                                  <a:latin typeface="Cambria Math" panose="02040503050406030204" pitchFamily="18" charset="0"/>
+                                                </a:rPr>
                                                 <m:t>𝑖</m:t>
                                               </m:r>
                                               <m:r>
-                                                <a:rPr lang="en-US" sz="1800" i="1"/>
+                                                <a:rPr lang="en-US" sz="1800" i="1">
+                                                  <a:latin typeface="Cambria Math" panose="02040503050406030204" pitchFamily="18" charset="0"/>
+                                                </a:rPr>
                                                 <m:t>,</m:t>
                                               </m:r>
                                               <m:r>
-                                                <a:rPr lang="en-US" sz="1800" i="1"/>
+                                                <a:rPr lang="en-US" sz="1800" i="1">
+                                                  <a:latin typeface="Cambria Math" panose="02040503050406030204" pitchFamily="18" charset="0"/>
+                                                </a:rPr>
                                                 <m:t>𝑗</m:t>
                                               </m:r>
                                             </m:e>
@@ -11116,7 +12426,9 @@
                                         </m:sub>
                                       </m:sSub>
                                       <m:r>
-                                        <a:rPr lang="en-US" sz="1800" i="1"/>
+                                        <a:rPr lang="en-US" sz="1800" i="1">
+                                          <a:latin typeface="Cambria Math" panose="02040503050406030204" pitchFamily="18" charset="0"/>
+                                        </a:rPr>
                                         <m:t>=0</m:t>
                                       </m:r>
                                     </m:e>
@@ -11134,7 +12446,9 @@
                               </m:e>
                               <m:e>
                                 <m:r>
-                                  <a:rPr lang="en-US" sz="1800" i="1"/>
+                                  <a:rPr lang="en-US" sz="1800" i="1">
+                                    <a:latin typeface="Cambria Math" panose="02040503050406030204" pitchFamily="18" charset="0"/>
+                                  </a:rPr>
                                   <m:t> </m:t>
                                 </m:r>
                               </m:e>
@@ -11162,32 +12476,42 @@
                     <m:sSub>
                       <m:sSubPr>
                         <m:ctrlPr>
-                          <a:rPr lang="en-US" sz="1800" i="1"/>
+                          <a:rPr lang="en-US" sz="1800" i="1">
+                            <a:latin typeface="Cambria Math" panose="02040503050406030204" pitchFamily="18" charset="0"/>
+                          </a:rPr>
                         </m:ctrlPr>
                       </m:sSubPr>
                       <m:e>
                         <m:d>
                           <m:dPr>
                             <m:ctrlPr>
-                              <a:rPr lang="en-US" sz="1800" i="1"/>
+                              <a:rPr lang="en-US" sz="1800" i="1">
+                                <a:latin typeface="Cambria Math" panose="02040503050406030204" pitchFamily="18" charset="0"/>
+                              </a:rPr>
                             </m:ctrlPr>
                           </m:dPr>
                           <m:e>
                             <m:sSub>
                               <m:sSubPr>
                                 <m:ctrlPr>
-                                  <a:rPr lang="en-US" sz="1800" i="1"/>
+                                  <a:rPr lang="en-US" sz="1800" i="1">
+                                    <a:latin typeface="Cambria Math" panose="02040503050406030204" pitchFamily="18" charset="0"/>
+                                  </a:rPr>
                                 </m:ctrlPr>
                               </m:sSubPr>
                               <m:e>
                                 <m:r>
-                                  <a:rPr lang="en-US" sz="1800" i="1"/>
+                                  <a:rPr lang="en-US" sz="1800" i="1">
+                                    <a:latin typeface="Cambria Math" panose="02040503050406030204" pitchFamily="18" charset="0"/>
+                                  </a:rPr>
                                   <m:t>𝐷</m:t>
                                 </m:r>
                               </m:e>
                               <m:sub>
                                 <m:r>
-                                  <a:rPr lang="en-US" sz="1800" i="1"/>
+                                  <a:rPr lang="en-US" sz="1800" i="1">
+                                    <a:latin typeface="Cambria Math" panose="02040503050406030204" pitchFamily="18" charset="0"/>
+                                  </a:rPr>
                                   <m:t>𝑤</m:t>
                                 </m:r>
                               </m:sub>
@@ -11199,20 +12523,28 @@
                         <m:d>
                           <m:dPr>
                             <m:ctrlPr>
-                              <a:rPr lang="en-US" sz="1800" i="1"/>
+                              <a:rPr lang="en-US" sz="1800" i="1">
+                                <a:latin typeface="Cambria Math" panose="02040503050406030204" pitchFamily="18" charset="0"/>
+                              </a:rPr>
                             </m:ctrlPr>
                           </m:dPr>
                           <m:e>
                             <m:r>
-                              <a:rPr lang="en-US" sz="1800" i="1"/>
+                              <a:rPr lang="en-US" sz="1800" i="1">
+                                <a:latin typeface="Cambria Math" panose="02040503050406030204" pitchFamily="18" charset="0"/>
+                              </a:rPr>
                               <m:t>𝑐</m:t>
                             </m:r>
                             <m:r>
-                              <a:rPr lang="en-US" sz="1800" i="1"/>
+                              <a:rPr lang="en-US" sz="1800" i="1">
+                                <a:latin typeface="Cambria Math" panose="02040503050406030204" pitchFamily="18" charset="0"/>
+                              </a:rPr>
                               <m:t>,</m:t>
                             </m:r>
                             <m:r>
-                              <a:rPr lang="en-US" sz="1800" i="1"/>
+                              <a:rPr lang="en-US" sz="1800" i="1">
+                                <a:latin typeface="Cambria Math" panose="02040503050406030204" pitchFamily="18" charset="0"/>
+                              </a:rPr>
                               <m:t>𝑡</m:t>
                             </m:r>
                           </m:e>
@@ -11220,20 +12552,28 @@
                         <m:d>
                           <m:dPr>
                             <m:ctrlPr>
-                              <a:rPr lang="en-US" sz="1800" i="1"/>
+                              <a:rPr lang="en-US" sz="1800" i="1">
+                                <a:latin typeface="Cambria Math" panose="02040503050406030204" pitchFamily="18" charset="0"/>
+                              </a:rPr>
                             </m:ctrlPr>
                           </m:dPr>
                           <m:e>
                             <m:r>
-                              <a:rPr lang="en-US" sz="1800" i="1"/>
+                              <a:rPr lang="en-US" sz="1800" i="1">
+                                <a:latin typeface="Cambria Math" panose="02040503050406030204" pitchFamily="18" charset="0"/>
+                              </a:rPr>
                               <m:t>𝑐</m:t>
                             </m:r>
                             <m:r>
-                              <a:rPr lang="en-US" sz="1800" i="1"/>
+                              <a:rPr lang="en-US" sz="1800" i="1">
+                                <a:latin typeface="Cambria Math" panose="02040503050406030204" pitchFamily="18" charset="0"/>
+                              </a:rPr>
                               <m:t>,</m:t>
                             </m:r>
                             <m:r>
-                              <a:rPr lang="en-US" sz="1800" i="1"/>
+                              <a:rPr lang="en-US" sz="1800" i="1">
+                                <a:latin typeface="Cambria Math" panose="02040503050406030204" pitchFamily="18" charset="0"/>
+                              </a:rPr>
                               <m:t>𝑡</m:t>
                             </m:r>
                           </m:e>
@@ -11241,13 +12581,17 @@
                       </m:sub>
                     </m:sSub>
                     <m:r>
-                      <a:rPr lang="en-US" sz="1800" i="1"/>
+                      <a:rPr lang="en-US" sz="1800" i="1">
+                        <a:latin typeface="Cambria Math" panose="02040503050406030204" pitchFamily="18" charset="0"/>
+                      </a:rPr>
                       <m:t>=</m:t>
                     </m:r>
                     <m:sSub>
                       <m:sSubPr>
                         <m:ctrlPr>
-                          <a:rPr lang="en-US" sz="1800" i="1"/>
+                          <a:rPr lang="en-US" sz="1800" i="1">
+                            <a:latin typeface="Cambria Math" panose="02040503050406030204" pitchFamily="18" charset="0"/>
+                          </a:rPr>
                         </m:ctrlPr>
                       </m:sSubPr>
                       <m:e>
@@ -11255,7 +12599,9 @@
                           <m:rPr>
                             <m:sty m:val="p"/>
                           </m:rPr>
-                          <a:rPr lang="en-US" sz="1800"/>
+                          <a:rPr lang="en-US" sz="1800">
+                            <a:latin typeface="Cambria Math" panose="02040503050406030204" pitchFamily="18" charset="0"/>
+                          </a:rPr>
                           <m:t>Σ</m:t>
                         </m:r>
                       </m:e>
@@ -11263,20 +12609,28 @@
                         <m:d>
                           <m:dPr>
                             <m:ctrlPr>
-                              <a:rPr lang="en-US" sz="1800" i="1"/>
+                              <a:rPr lang="en-US" sz="1800" i="1">
+                                <a:latin typeface="Cambria Math" panose="02040503050406030204" pitchFamily="18" charset="0"/>
+                              </a:rPr>
                             </m:ctrlPr>
                           </m:dPr>
                           <m:e>
                             <m:r>
-                              <a:rPr lang="en-US" sz="1800" i="1"/>
+                              <a:rPr lang="en-US" sz="1800" i="1">
+                                <a:latin typeface="Cambria Math" panose="02040503050406030204" pitchFamily="18" charset="0"/>
+                              </a:rPr>
                               <m:t>𝑖</m:t>
                             </m:r>
                             <m:r>
-                              <a:rPr lang="en-US" sz="1800" i="1"/>
+                              <a:rPr lang="en-US" sz="1800" i="1">
+                                <a:latin typeface="Cambria Math" panose="02040503050406030204" pitchFamily="18" charset="0"/>
+                              </a:rPr>
                               <m:t>,</m:t>
                             </m:r>
                             <m:r>
-                              <a:rPr lang="en-US" sz="1800" i="1"/>
+                              <a:rPr lang="en-US" sz="1800" i="1">
+                                <a:latin typeface="Cambria Math" panose="02040503050406030204" pitchFamily="18" charset="0"/>
+                              </a:rPr>
                               <m:t>𝑗</m:t>
                             </m:r>
                           </m:e>
@@ -11286,12 +12640,16 @@
                     <m:sSub>
                       <m:sSubPr>
                         <m:ctrlPr>
-                          <a:rPr lang="en-US" sz="1800" i="1"/>
+                          <a:rPr lang="en-US" sz="1800" i="1">
+                            <a:latin typeface="Cambria Math" panose="02040503050406030204" pitchFamily="18" charset="0"/>
+                          </a:rPr>
                         </m:ctrlPr>
                       </m:sSubPr>
                       <m:e>
                         <m:r>
-                          <a:rPr lang="en-US" sz="1800" i="1"/>
+                          <a:rPr lang="en-US" sz="1800" i="1">
+                            <a:latin typeface="Cambria Math" panose="02040503050406030204" pitchFamily="18" charset="0"/>
+                          </a:rPr>
                           <m:t>𝑤</m:t>
                         </m:r>
                       </m:e>
@@ -11299,20 +12657,28 @@
                         <m:d>
                           <m:dPr>
                             <m:ctrlPr>
-                              <a:rPr lang="en-US" sz="1800" i="1"/>
+                              <a:rPr lang="en-US" sz="1800" i="1">
+                                <a:latin typeface="Cambria Math" panose="02040503050406030204" pitchFamily="18" charset="0"/>
+                              </a:rPr>
                             </m:ctrlPr>
                           </m:dPr>
                           <m:e>
                             <m:r>
-                              <a:rPr lang="en-US" sz="1800" i="1"/>
+                              <a:rPr lang="en-US" sz="1800" i="1">
+                                <a:latin typeface="Cambria Math" panose="02040503050406030204" pitchFamily="18" charset="0"/>
+                              </a:rPr>
                               <m:t>𝑐</m:t>
                             </m:r>
                             <m:r>
-                              <a:rPr lang="en-US" sz="1800" i="1"/>
+                              <a:rPr lang="en-US" sz="1800" i="1">
+                                <a:latin typeface="Cambria Math" panose="02040503050406030204" pitchFamily="18" charset="0"/>
+                              </a:rPr>
                               <m:t>,</m:t>
                             </m:r>
                             <m:r>
-                              <a:rPr lang="en-US" sz="1800" i="1"/>
+                              <a:rPr lang="en-US" sz="1800" i="1">
+                                <a:latin typeface="Cambria Math" panose="02040503050406030204" pitchFamily="18" charset="0"/>
+                              </a:rPr>
                               <m:t>𝑡</m:t>
                             </m:r>
                           </m:e>
@@ -11320,20 +12686,28 @@
                         <m:d>
                           <m:dPr>
                             <m:ctrlPr>
-                              <a:rPr lang="en-US" sz="1800" i="1"/>
+                              <a:rPr lang="en-US" sz="1800" i="1">
+                                <a:latin typeface="Cambria Math" panose="02040503050406030204" pitchFamily="18" charset="0"/>
+                              </a:rPr>
                             </m:ctrlPr>
                           </m:dPr>
                           <m:e>
                             <m:r>
-                              <a:rPr lang="en-US" sz="1800" i="1"/>
+                              <a:rPr lang="en-US" sz="1800" i="1">
+                                <a:latin typeface="Cambria Math" panose="02040503050406030204" pitchFamily="18" charset="0"/>
+                              </a:rPr>
                               <m:t>𝑖</m:t>
                             </m:r>
                             <m:r>
-                              <a:rPr lang="en-US" sz="1800" i="1"/>
+                              <a:rPr lang="en-US" sz="1800" i="1">
+                                <a:latin typeface="Cambria Math" panose="02040503050406030204" pitchFamily="18" charset="0"/>
+                              </a:rPr>
                               <m:t>,</m:t>
                             </m:r>
                             <m:r>
-                              <a:rPr lang="en-US" sz="1800" i="1"/>
+                              <a:rPr lang="en-US" sz="1800" i="1">
+                                <a:latin typeface="Cambria Math" panose="02040503050406030204" pitchFamily="18" charset="0"/>
+                              </a:rPr>
                               <m:t>𝑗</m:t>
                             </m:r>
                           </m:e>
@@ -11351,7 +12725,7 @@
             </p:txBody>
           </p:sp>
         </mc:Choice>
-        <mc:Fallback>
+        <mc:Fallback xmlns="">
           <p:sp>
             <p:nvSpPr>
               <p:cNvPr id="3" name="Content Placeholder 2"/>
@@ -11521,8 +12895,8 @@
           </a:p>
         </p:txBody>
       </p:sp>
-      <mc:AlternateContent xmlns:mc="http://schemas.openxmlformats.org/markup-compatibility/2006">
-        <mc:Choice xmlns:a14="http://schemas.microsoft.com/office/drawing/2010/main" Requires="a14">
+      <mc:AlternateContent xmlns:mc="http://schemas.openxmlformats.org/markup-compatibility/2006" xmlns:a14="http://schemas.microsoft.com/office/drawing/2010/main">
+        <mc:Choice Requires="a14">
           <p:sp>
             <p:nvSpPr>
               <p:cNvPr id="3" name="Content Placeholder 2"/>
@@ -11548,38 +12922,52 @@
                     <m:sSub>
                       <m:sSubPr>
                         <m:ctrlPr>
-                          <a:rPr lang="en-US" i="1"/>
+                          <a:rPr lang="en-US" i="1">
+                            <a:latin typeface="Cambria Math" panose="02040503050406030204" pitchFamily="18" charset="0"/>
+                          </a:rPr>
                         </m:ctrlPr>
                       </m:sSubPr>
                       <m:e>
                         <m:r>
-                          <a:rPr lang="en-US" i="1"/>
+                          <a:rPr lang="en-US" i="1">
+                            <a:latin typeface="Cambria Math" panose="02040503050406030204" pitchFamily="18" charset="0"/>
+                          </a:rPr>
                           <m:t>𝑋</m:t>
                         </m:r>
                       </m:e>
                       <m:sub>
                         <m:r>
-                          <a:rPr lang="en-US" i="1"/>
+                          <a:rPr lang="en-US" i="1">
+                            <a:latin typeface="Cambria Math" panose="02040503050406030204" pitchFamily="18" charset="0"/>
+                          </a:rPr>
                           <m:t>𝑐</m:t>
                         </m:r>
                         <m:r>
-                          <a:rPr lang="en-US" i="1"/>
+                          <a:rPr lang="en-US" i="1">
+                            <a:latin typeface="Cambria Math" panose="02040503050406030204" pitchFamily="18" charset="0"/>
+                          </a:rPr>
                           <m:t>,</m:t>
                         </m:r>
                         <m:r>
-                          <a:rPr lang="en-US" i="1"/>
+                          <a:rPr lang="en-US" i="1">
+                            <a:latin typeface="Cambria Math" panose="02040503050406030204" pitchFamily="18" charset="0"/>
+                          </a:rPr>
                           <m:t>𝑡</m:t>
                         </m:r>
                       </m:sub>
                     </m:sSub>
                     <m:r>
-                      <a:rPr lang="en-US" b="1" i="1"/>
+                      <a:rPr lang="en-US" b="1" i="1">
+                        <a:latin typeface="Cambria Math" panose="02040503050406030204" pitchFamily="18" charset="0"/>
+                      </a:rPr>
                       <m:t>=</m:t>
                     </m:r>
                     <m:sSup>
                       <m:sSupPr>
                         <m:ctrlPr>
-                          <a:rPr lang="en-US" b="1" i="1"/>
+                          <a:rPr lang="en-US" b="1" i="1">
+                            <a:latin typeface="Cambria Math" panose="02040503050406030204" pitchFamily="18" charset="0"/>
+                          </a:rPr>
                         </m:ctrlPr>
                       </m:sSupPr>
                       <m:e>
@@ -11588,7 +12976,9 @@
                             <m:begChr m:val="["/>
                             <m:endChr m:val="]"/>
                             <m:ctrlPr>
-                              <a:rPr lang="en-US" b="1" i="1"/>
+                              <a:rPr lang="en-US" b="1" i="1">
+                                <a:latin typeface="Cambria Math" panose="02040503050406030204" pitchFamily="18" charset="0"/>
+                              </a:rPr>
                             </m:ctrlPr>
                           </m:dPr>
                           <m:e>
@@ -11603,7 +12993,9 @@
                                   </m:mc>
                                 </m:mcs>
                                 <m:ctrlPr>
-                                  <a:rPr lang="en-US" b="1" i="1"/>
+                                  <a:rPr lang="en-US" b="1" i="1">
+                                    <a:latin typeface="Cambria Math" panose="02040503050406030204" pitchFamily="18" charset="0"/>
+                                  </a:rPr>
                                 </m:ctrlPr>
                               </m:mPr>
                               <m:mr>
@@ -11611,7 +13003,9 @@
                                   <m:func>
                                     <m:funcPr>
                                       <m:ctrlPr>
-                                        <a:rPr lang="en-US" i="1"/>
+                                        <a:rPr lang="en-US" i="1">
+                                          <a:latin typeface="Cambria Math" panose="02040503050406030204" pitchFamily="18" charset="0"/>
+                                        </a:rPr>
                                       </m:ctrlPr>
                                     </m:funcPr>
                                     <m:fName>
@@ -11619,7 +13013,9 @@
                                         <m:rPr>
                                           <m:sty m:val="p"/>
                                         </m:rPr>
-                                        <a:rPr lang="en-US"/>
+                                        <a:rPr lang="en-US">
+                                          <a:latin typeface="Cambria Math" panose="02040503050406030204" pitchFamily="18" charset="0"/>
+                                        </a:rPr>
                                         <m:t>log</m:t>
                                       </m:r>
                                     </m:fName>
@@ -11627,63 +13023,85 @@
                                       <m:d>
                                         <m:dPr>
                                           <m:ctrlPr>
-                                            <a:rPr lang="en-US" i="1"/>
+                                            <a:rPr lang="en-US" i="1">
+                                              <a:latin typeface="Cambria Math" panose="02040503050406030204" pitchFamily="18" charset="0"/>
+                                            </a:rPr>
                                           </m:ctrlPr>
                                         </m:dPr>
                                         <m:e>
                                           <m:f>
                                             <m:fPr>
                                               <m:ctrlPr>
-                                                <a:rPr lang="en-US" i="1"/>
+                                                <a:rPr lang="en-US" i="1">
+                                                  <a:latin typeface="Cambria Math" panose="02040503050406030204" pitchFamily="18" charset="0"/>
+                                                </a:rPr>
                                               </m:ctrlPr>
                                             </m:fPr>
                                             <m:num>
                                               <m:sSub>
                                                 <m:sSubPr>
                                                   <m:ctrlPr>
-                                                    <a:rPr lang="en-US" i="1"/>
+                                                    <a:rPr lang="en-US" i="1">
+                                                      <a:latin typeface="Cambria Math" panose="02040503050406030204" pitchFamily="18" charset="0"/>
+                                                    </a:rPr>
                                                   </m:ctrlPr>
                                                 </m:sSubPr>
                                                 <m:e>
                                                   <m:r>
-                                                    <a:rPr lang="en-US" i="1"/>
+                                                    <a:rPr lang="en-US" i="1">
+                                                      <a:latin typeface="Cambria Math" panose="02040503050406030204" pitchFamily="18" charset="0"/>
+                                                    </a:rPr>
                                                     <m:t>𝑆</m:t>
                                                   </m:r>
                                                 </m:e>
                                                 <m:sub>
                                                   <m:r>
-                                                    <a:rPr lang="en-US" i="1"/>
+                                                    <a:rPr lang="en-US" i="1">
+                                                      <a:latin typeface="Cambria Math" panose="02040503050406030204" pitchFamily="18" charset="0"/>
+                                                    </a:rPr>
                                                     <m:t>𝑐</m:t>
                                                   </m:r>
                                                   <m:r>
-                                                    <a:rPr lang="en-US" i="1"/>
+                                                    <a:rPr lang="en-US" i="1">
+                                                      <a:latin typeface="Cambria Math" panose="02040503050406030204" pitchFamily="18" charset="0"/>
+                                                    </a:rPr>
                                                     <m:t>,</m:t>
                                                   </m:r>
                                                   <m:r>
-                                                    <a:rPr lang="en-US" i="1"/>
+                                                    <a:rPr lang="en-US" i="1">
+                                                      <a:latin typeface="Cambria Math" panose="02040503050406030204" pitchFamily="18" charset="0"/>
+                                                    </a:rPr>
                                                     <m:t>𝑡</m:t>
                                                   </m:r>
                                                 </m:sub>
                                               </m:sSub>
                                               <m:r>
-                                                <a:rPr lang="en-US" i="1"/>
+                                                <a:rPr lang="en-US" i="1">
+                                                  <a:latin typeface="Cambria Math" panose="02040503050406030204" pitchFamily="18" charset="0"/>
+                                                </a:rPr>
                                                 <m:t>+</m:t>
                                               </m:r>
                                               <m:sSub>
                                                 <m:sSubPr>
                                                   <m:ctrlPr>
-                                                    <a:rPr lang="en-US" i="1"/>
+                                                    <a:rPr lang="en-US" i="1">
+                                                      <a:latin typeface="Cambria Math" panose="02040503050406030204" pitchFamily="18" charset="0"/>
+                                                    </a:rPr>
                                                   </m:ctrlPr>
                                                 </m:sSubPr>
                                                 <m:e>
                                                   <m:r>
-                                                    <a:rPr lang="en-US" i="1"/>
+                                                    <a:rPr lang="en-US" i="1">
+                                                      <a:latin typeface="Cambria Math" panose="02040503050406030204" pitchFamily="18" charset="0"/>
+                                                    </a:rPr>
                                                     <m:t>𝜖</m:t>
                                                   </m:r>
                                                 </m:e>
                                                 <m:sub>
                                                   <m:r>
-                                                    <a:rPr lang="en-US" i="1"/>
+                                                    <a:rPr lang="en-US" i="1">
+                                                      <a:latin typeface="Cambria Math" panose="02040503050406030204" pitchFamily="18" charset="0"/>
+                                                    </a:rPr>
                                                     <m:t>2</m:t>
                                                   </m:r>
                                                 </m:sub>
@@ -11693,7 +13111,9 @@
                                               <m:sSub>
                                                 <m:sSubPr>
                                                   <m:ctrlPr>
-                                                    <a:rPr lang="en-US" i="1"/>
+                                                    <a:rPr lang="en-US" i="1">
+                                                      <a:latin typeface="Cambria Math" panose="02040503050406030204" pitchFamily="18" charset="0"/>
+                                                    </a:rPr>
                                                   </m:ctrlPr>
                                                 </m:sSubPr>
                                                 <m:e>
@@ -11701,12 +13121,16 @@
                                                     <m:accPr>
                                                       <m:chr m:val="̃"/>
                                                       <m:ctrlPr>
-                                                        <a:rPr lang="en-US" i="1"/>
+                                                        <a:rPr lang="en-US" i="1">
+                                                          <a:latin typeface="Cambria Math" panose="02040503050406030204" pitchFamily="18" charset="0"/>
+                                                        </a:rPr>
                                                       </m:ctrlPr>
                                                     </m:accPr>
                                                     <m:e>
                                                       <m:r>
-                                                        <a:rPr lang="en-US" i="1"/>
+                                                        <a:rPr lang="en-US" i="1">
+                                                          <a:latin typeface="Cambria Math" panose="02040503050406030204" pitchFamily="18" charset="0"/>
+                                                        </a:rPr>
                                                         <m:t>𝑁</m:t>
                                                       </m:r>
                                                     </m:e>
@@ -11714,7 +13138,9 @@
                                                 </m:e>
                                                 <m:sub>
                                                   <m:r>
-                                                    <a:rPr lang="en-US" i="1"/>
+                                                    <a:rPr lang="en-US" i="1">
+                                                      <a:latin typeface="Cambria Math" panose="02040503050406030204" pitchFamily="18" charset="0"/>
+                                                    </a:rPr>
                                                     <m:t>𝑐</m:t>
                                                   </m:r>
                                                 </m:sub>
@@ -11724,7 +13150,9 @@
                                         </m:e>
                                       </m:d>
                                       <m:r>
-                                        <a:rPr lang="en-US" i="1"/>
+                                        <a:rPr lang="en-US" i="1">
+                                          <a:latin typeface="Cambria Math" panose="02040503050406030204" pitchFamily="18" charset="0"/>
+                                        </a:rPr>
                                         <m:t>,</m:t>
                                       </m:r>
                                     </m:e>
@@ -11734,7 +13162,9 @@
                                   <m:func>
                                     <m:funcPr>
                                       <m:ctrlPr>
-                                        <a:rPr lang="en-US" i="1"/>
+                                        <a:rPr lang="en-US" i="1">
+                                          <a:latin typeface="Cambria Math" panose="02040503050406030204" pitchFamily="18" charset="0"/>
+                                        </a:rPr>
                                       </m:ctrlPr>
                                     </m:funcPr>
                                     <m:fName>
@@ -11742,7 +13172,9 @@
                                         <m:rPr>
                                           <m:sty m:val="p"/>
                                         </m:rPr>
-                                        <a:rPr lang="en-US"/>
+                                        <a:rPr lang="en-US">
+                                          <a:latin typeface="Cambria Math" panose="02040503050406030204" pitchFamily="18" charset="0"/>
+                                        </a:rPr>
                                         <m:t>log</m:t>
                                       </m:r>
                                     </m:fName>
@@ -11750,63 +13182,85 @@
                                       <m:d>
                                         <m:dPr>
                                           <m:ctrlPr>
-                                            <a:rPr lang="en-US" i="1"/>
+                                            <a:rPr lang="en-US" i="1">
+                                              <a:latin typeface="Cambria Math" panose="02040503050406030204" pitchFamily="18" charset="0"/>
+                                            </a:rPr>
                                           </m:ctrlPr>
                                         </m:dPr>
                                         <m:e>
                                           <m:f>
                                             <m:fPr>
                                               <m:ctrlPr>
-                                                <a:rPr lang="en-US" i="1"/>
+                                                <a:rPr lang="en-US" i="1">
+                                                  <a:latin typeface="Cambria Math" panose="02040503050406030204" pitchFamily="18" charset="0"/>
+                                                </a:rPr>
                                               </m:ctrlPr>
                                             </m:fPr>
                                             <m:num>
                                               <m:sSub>
                                                 <m:sSubPr>
                                                   <m:ctrlPr>
-                                                    <a:rPr lang="en-US" i="1"/>
+                                                    <a:rPr lang="en-US" i="1">
+                                                      <a:latin typeface="Cambria Math" panose="02040503050406030204" pitchFamily="18" charset="0"/>
+                                                    </a:rPr>
                                                   </m:ctrlPr>
                                                 </m:sSubPr>
                                                 <m:e>
                                                   <m:r>
-                                                    <a:rPr lang="en-US" i="1"/>
+                                                    <a:rPr lang="en-US" i="1">
+                                                      <a:latin typeface="Cambria Math" panose="02040503050406030204" pitchFamily="18" charset="0"/>
+                                                    </a:rPr>
                                                     <m:t>𝑉</m:t>
                                                   </m:r>
                                                 </m:e>
                                                 <m:sub>
                                                   <m:r>
-                                                    <a:rPr lang="en-US" i="1"/>
+                                                    <a:rPr lang="en-US" i="1">
+                                                      <a:latin typeface="Cambria Math" panose="02040503050406030204" pitchFamily="18" charset="0"/>
+                                                    </a:rPr>
                                                     <m:t>𝑐</m:t>
                                                   </m:r>
                                                   <m:r>
-                                                    <a:rPr lang="en-US" i="1"/>
+                                                    <a:rPr lang="en-US" i="1">
+                                                      <a:latin typeface="Cambria Math" panose="02040503050406030204" pitchFamily="18" charset="0"/>
+                                                    </a:rPr>
                                                     <m:t>,</m:t>
                                                   </m:r>
                                                   <m:r>
-                                                    <a:rPr lang="en-US" i="1"/>
+                                                    <a:rPr lang="en-US" i="1">
+                                                      <a:latin typeface="Cambria Math" panose="02040503050406030204" pitchFamily="18" charset="0"/>
+                                                    </a:rPr>
                                                     <m:t>𝑡</m:t>
                                                   </m:r>
                                                 </m:sub>
                                               </m:sSub>
                                               <m:r>
-                                                <a:rPr lang="en-US" i="1"/>
+                                                <a:rPr lang="en-US" i="1">
+                                                  <a:latin typeface="Cambria Math" panose="02040503050406030204" pitchFamily="18" charset="0"/>
+                                                </a:rPr>
                                                 <m:t>+</m:t>
                                               </m:r>
                                               <m:sSub>
                                                 <m:sSubPr>
                                                   <m:ctrlPr>
-                                                    <a:rPr lang="en-US" i="1"/>
+                                                    <a:rPr lang="en-US" i="1">
+                                                      <a:latin typeface="Cambria Math" panose="02040503050406030204" pitchFamily="18" charset="0"/>
+                                                    </a:rPr>
                                                   </m:ctrlPr>
                                                 </m:sSubPr>
                                                 <m:e>
                                                   <m:r>
-                                                    <a:rPr lang="en-US" i="1"/>
+                                                    <a:rPr lang="en-US" i="1">
+                                                      <a:latin typeface="Cambria Math" panose="02040503050406030204" pitchFamily="18" charset="0"/>
+                                                    </a:rPr>
                                                     <m:t>𝜖</m:t>
                                                   </m:r>
                                                 </m:e>
                                                 <m:sub>
                                                   <m:r>
-                                                    <a:rPr lang="en-US" i="1"/>
+                                                    <a:rPr lang="en-US" i="1">
+                                                      <a:latin typeface="Cambria Math" panose="02040503050406030204" pitchFamily="18" charset="0"/>
+                                                    </a:rPr>
                                                     <m:t>3</m:t>
                                                   </m:r>
                                                 </m:sub>
@@ -11814,55 +13268,75 @@
                                             </m:num>
                                             <m:den>
                                               <m:r>
-                                                <a:rPr lang="en-US" i="1"/>
+                                                <a:rPr lang="en-US" i="1">
+                                                  <a:latin typeface="Cambria Math" panose="02040503050406030204" pitchFamily="18" charset="0"/>
+                                                </a:rPr>
                                                 <m:t>1−</m:t>
                                               </m:r>
                                               <m:sSub>
                                                 <m:sSubPr>
                                                   <m:ctrlPr>
-                                                    <a:rPr lang="en-US" i="1"/>
+                                                    <a:rPr lang="en-US" i="1">
+                                                      <a:latin typeface="Cambria Math" panose="02040503050406030204" pitchFamily="18" charset="0"/>
+                                                    </a:rPr>
                                                   </m:ctrlPr>
                                                 </m:sSubPr>
                                                 <m:e>
                                                   <m:r>
-                                                    <a:rPr lang="en-US" i="1"/>
+                                                    <a:rPr lang="en-US" i="1">
+                                                      <a:latin typeface="Cambria Math" panose="02040503050406030204" pitchFamily="18" charset="0"/>
+                                                    </a:rPr>
                                                     <m:t>𝑉</m:t>
                                                   </m:r>
                                                 </m:e>
                                                 <m:sub>
                                                   <m:r>
-                                                    <a:rPr lang="en-US" i="1"/>
+                                                    <a:rPr lang="en-US" i="1">
+                                                      <a:latin typeface="Cambria Math" panose="02040503050406030204" pitchFamily="18" charset="0"/>
+                                                    </a:rPr>
                                                     <m:t>𝑐</m:t>
                                                   </m:r>
                                                   <m:r>
-                                                    <a:rPr lang="en-US" i="1"/>
+                                                    <a:rPr lang="en-US" i="1">
+                                                      <a:latin typeface="Cambria Math" panose="02040503050406030204" pitchFamily="18" charset="0"/>
+                                                    </a:rPr>
                                                     <m:t>,</m:t>
                                                   </m:r>
                                                   <m:r>
-                                                    <a:rPr lang="en-US" i="1"/>
+                                                    <a:rPr lang="en-US" i="1">
+                                                      <a:latin typeface="Cambria Math" panose="02040503050406030204" pitchFamily="18" charset="0"/>
+                                                    </a:rPr>
                                                     <m:t>𝑡</m:t>
                                                   </m:r>
                                                 </m:sub>
                                               </m:sSub>
                                               <m:r>
-                                                <a:rPr lang="en-US" i="1"/>
+                                                <a:rPr lang="en-US" i="1">
+                                                  <a:latin typeface="Cambria Math" panose="02040503050406030204" pitchFamily="18" charset="0"/>
+                                                </a:rPr>
                                                 <m:t>+</m:t>
                                               </m:r>
                                               <m:sSub>
                                                 <m:sSubPr>
                                                   <m:ctrlPr>
-                                                    <a:rPr lang="en-US" i="1"/>
+                                                    <a:rPr lang="en-US" i="1">
+                                                      <a:latin typeface="Cambria Math" panose="02040503050406030204" pitchFamily="18" charset="0"/>
+                                                    </a:rPr>
                                                   </m:ctrlPr>
                                                 </m:sSubPr>
                                                 <m:e>
                                                   <m:r>
-                                                    <a:rPr lang="en-US" i="1"/>
+                                                    <a:rPr lang="en-US" i="1">
+                                                      <a:latin typeface="Cambria Math" panose="02040503050406030204" pitchFamily="18" charset="0"/>
+                                                    </a:rPr>
                                                     <m:t>𝜖</m:t>
                                                   </m:r>
                                                 </m:e>
                                                 <m:sub>
                                                   <m:r>
-                                                    <a:rPr lang="en-US" i="1"/>
+                                                    <a:rPr lang="en-US" i="1">
+                                                      <a:latin typeface="Cambria Math" panose="02040503050406030204" pitchFamily="18" charset="0"/>
+                                                    </a:rPr>
                                                     <m:t>3</m:t>
                                                   </m:r>
                                                 </m:sub>
@@ -11881,7 +13355,9 @@
                       </m:e>
                       <m:sup>
                         <m:r>
-                          <a:rPr lang="en-US" b="1" i="1"/>
+                          <a:rPr lang="en-US" b="1" i="1">
+                            <a:latin typeface="Cambria Math" panose="02040503050406030204" pitchFamily="18" charset="0"/>
+                          </a:rPr>
                           <m:t>𝑻</m:t>
                         </m:r>
                       </m:sup>
@@ -11908,26 +13384,36 @@
                     <m:sSub>
                       <m:sSubPr>
                         <m:ctrlPr>
-                          <a:rPr lang="en-US" i="1"/>
+                          <a:rPr lang="en-US" i="1">
+                            <a:latin typeface="Cambria Math" panose="02040503050406030204" pitchFamily="18" charset="0"/>
+                          </a:rPr>
                         </m:ctrlPr>
                       </m:sSubPr>
                       <m:e>
                         <m:r>
-                          <a:rPr lang="en-US" i="1"/>
+                          <a:rPr lang="en-US" i="1">
+                            <a:latin typeface="Cambria Math" panose="02040503050406030204" pitchFamily="18" charset="0"/>
+                          </a:rPr>
                           <m:t>𝑆</m:t>
                         </m:r>
                       </m:e>
                       <m:sub>
                         <m:r>
-                          <a:rPr lang="en-US" i="1"/>
+                          <a:rPr lang="en-US" i="1">
+                            <a:latin typeface="Cambria Math" panose="02040503050406030204" pitchFamily="18" charset="0"/>
+                          </a:rPr>
                           <m:t>𝑐</m:t>
                         </m:r>
                         <m:r>
-                          <a:rPr lang="en-US" i="1"/>
+                          <a:rPr lang="en-US" i="1">
+                            <a:latin typeface="Cambria Math" panose="02040503050406030204" pitchFamily="18" charset="0"/>
+                          </a:rPr>
                           <m:t>,</m:t>
                         </m:r>
                         <m:r>
-                          <a:rPr lang="en-US" i="1"/>
+                          <a:rPr lang="en-US" i="1">
+                            <a:latin typeface="Cambria Math" panose="02040503050406030204" pitchFamily="18" charset="0"/>
+                          </a:rPr>
                           <m:t>𝑡</m:t>
                         </m:r>
                       </m:sub>
@@ -11964,26 +13450,36 @@
                     <m:sSub>
                       <m:sSubPr>
                         <m:ctrlPr>
-                          <a:rPr lang="en-US" i="1"/>
+                          <a:rPr lang="en-US" i="1">
+                            <a:latin typeface="Cambria Math" panose="02040503050406030204" pitchFamily="18" charset="0"/>
+                          </a:rPr>
                         </m:ctrlPr>
                       </m:sSubPr>
                       <m:e>
                         <m:r>
-                          <a:rPr lang="en-US" i="1"/>
+                          <a:rPr lang="en-US" i="1">
+                            <a:latin typeface="Cambria Math" panose="02040503050406030204" pitchFamily="18" charset="0"/>
+                          </a:rPr>
                           <m:t>𝑉</m:t>
                         </m:r>
                       </m:e>
                       <m:sub>
                         <m:r>
-                          <a:rPr lang="en-US" i="1"/>
+                          <a:rPr lang="en-US" i="1">
+                            <a:latin typeface="Cambria Math" panose="02040503050406030204" pitchFamily="18" charset="0"/>
+                          </a:rPr>
                           <m:t>𝑐</m:t>
                         </m:r>
                         <m:r>
-                          <a:rPr lang="en-US" i="1"/>
+                          <a:rPr lang="en-US" i="1">
+                            <a:latin typeface="Cambria Math" panose="02040503050406030204" pitchFamily="18" charset="0"/>
+                          </a:rPr>
                           <m:t>,</m:t>
                         </m:r>
                         <m:r>
-                          <a:rPr lang="en-US" i="1"/>
+                          <a:rPr lang="en-US" i="1">
+                            <a:latin typeface="Cambria Math" panose="02040503050406030204" pitchFamily="18" charset="0"/>
+                          </a:rPr>
                           <m:t>𝑡</m:t>
                         </m:r>
                       </m:sub>
@@ -12026,7 +13522,9 @@
                     <m:sSub>
                       <m:sSubPr>
                         <m:ctrlPr>
-                          <a:rPr lang="en-US" sz="2600" i="1"/>
+                          <a:rPr lang="en-US" sz="2600" i="1">
+                            <a:latin typeface="Cambria Math" panose="02040503050406030204" pitchFamily="18" charset="0"/>
+                          </a:rPr>
                         </m:ctrlPr>
                       </m:sSubPr>
                       <m:e>
@@ -12034,12 +13532,16 @@
                           <m:accPr>
                             <m:chr m:val="̃"/>
                             <m:ctrlPr>
-                              <a:rPr lang="en-US" sz="2600" i="1"/>
+                              <a:rPr lang="en-US" sz="2600" i="1">
+                                <a:latin typeface="Cambria Math" panose="02040503050406030204" pitchFamily="18" charset="0"/>
+                              </a:rPr>
                             </m:ctrlPr>
                           </m:accPr>
                           <m:e>
                             <m:r>
-                              <a:rPr lang="en-US" sz="2600" i="1"/>
+                              <a:rPr lang="en-US" sz="2600" i="1">
+                                <a:latin typeface="Cambria Math" panose="02040503050406030204" pitchFamily="18" charset="0"/>
+                              </a:rPr>
                               <m:t>𝑁</m:t>
                             </m:r>
                           </m:e>
@@ -12047,19 +13549,25 @@
                       </m:e>
                       <m:sub>
                         <m:r>
-                          <a:rPr lang="en-US" sz="2600" i="1"/>
+                          <a:rPr lang="en-US" sz="2600" i="1">
+                            <a:latin typeface="Cambria Math" panose="02040503050406030204" pitchFamily="18" charset="0"/>
+                          </a:rPr>
                           <m:t>𝑐</m:t>
                         </m:r>
                       </m:sub>
                     </m:sSub>
                     <m:r>
-                      <a:rPr lang="en-US" sz="2600" i="1"/>
+                      <a:rPr lang="en-US" sz="2600" i="1">
+                        <a:latin typeface="Cambria Math" panose="02040503050406030204" pitchFamily="18" charset="0"/>
+                      </a:rPr>
                       <m:t>=</m:t>
                     </m:r>
                     <m:sSub>
                       <m:sSubPr>
                         <m:ctrlPr>
-                          <a:rPr lang="en-US" sz="2600" i="1"/>
+                          <a:rPr lang="en-US" sz="2600" i="1">
+                            <a:latin typeface="Cambria Math" panose="02040503050406030204" pitchFamily="18" charset="0"/>
+                          </a:rPr>
                         </m:ctrlPr>
                       </m:sSubPr>
                       <m:e>
@@ -12067,13 +13575,17 @@
                           <m:rPr>
                             <m:sty m:val="p"/>
                           </m:rPr>
-                          <a:rPr lang="en-US" sz="2600"/>
+                          <a:rPr lang="en-US" sz="2600">
+                            <a:latin typeface="Cambria Math" panose="02040503050406030204" pitchFamily="18" charset="0"/>
+                          </a:rPr>
                           <m:t>Σ</m:t>
                         </m:r>
                       </m:e>
                       <m:sub>
                         <m:r>
-                          <a:rPr lang="en-US" sz="2600" i="1"/>
+                          <a:rPr lang="en-US" sz="2600" i="1">
+                            <a:latin typeface="Cambria Math" panose="02040503050406030204" pitchFamily="18" charset="0"/>
+                          </a:rPr>
                           <m:t>𝑔</m:t>
                         </m:r>
                       </m:sub>
@@ -12081,26 +13593,36 @@
                     <m:sSub>
                       <m:sSubPr>
                         <m:ctrlPr>
-                          <a:rPr lang="en-US" sz="2600" i="1"/>
+                          <a:rPr lang="en-US" sz="2600" i="1">
+                            <a:latin typeface="Cambria Math" panose="02040503050406030204" pitchFamily="18" charset="0"/>
+                          </a:rPr>
                         </m:ctrlPr>
                       </m:sSubPr>
                       <m:e>
                         <m:r>
-                          <a:rPr lang="en-US" sz="2600" i="1"/>
+                          <a:rPr lang="en-US" sz="2600" i="1">
+                            <a:latin typeface="Cambria Math" panose="02040503050406030204" pitchFamily="18" charset="0"/>
+                          </a:rPr>
                           <m:t>𝑁</m:t>
                         </m:r>
                       </m:e>
                       <m:sub>
                         <m:r>
-                          <a:rPr lang="en-US" sz="2600" i="1"/>
+                          <a:rPr lang="en-US" sz="2600" i="1">
+                            <a:latin typeface="Cambria Math" panose="02040503050406030204" pitchFamily="18" charset="0"/>
+                          </a:rPr>
                           <m:t>𝑐</m:t>
                         </m:r>
                         <m:r>
-                          <a:rPr lang="en-US" sz="2600" i="1"/>
+                          <a:rPr lang="en-US" sz="2600" i="1">
+                            <a:latin typeface="Cambria Math" panose="02040503050406030204" pitchFamily="18" charset="0"/>
+                          </a:rPr>
                           <m:t>,</m:t>
                         </m:r>
                         <m:r>
-                          <a:rPr lang="en-US" sz="2600" i="1"/>
+                          <a:rPr lang="en-US" sz="2600" i="1">
+                            <a:latin typeface="Cambria Math" panose="02040503050406030204" pitchFamily="18" charset="0"/>
+                          </a:rPr>
                           <m:t>𝑔</m:t>
                         </m:r>
                       </m:sub>
@@ -12108,18 +13630,24 @@
                     <m:sSub>
                       <m:sSubPr>
                         <m:ctrlPr>
-                          <a:rPr lang="en-US" sz="2600" i="1"/>
+                          <a:rPr lang="en-US" sz="2600" i="1">
+                            <a:latin typeface="Cambria Math" panose="02040503050406030204" pitchFamily="18" charset="0"/>
+                          </a:rPr>
                         </m:ctrlPr>
                       </m:sSubPr>
                       <m:e>
                         <m:r>
-                          <a:rPr lang="en-US" sz="2600" i="1"/>
+                          <a:rPr lang="en-US" sz="2600" i="1">
+                            <a:latin typeface="Cambria Math" panose="02040503050406030204" pitchFamily="18" charset="0"/>
+                          </a:rPr>
                           <m:t>𝑈</m:t>
                         </m:r>
                       </m:e>
                       <m:sub>
                         <m:r>
-                          <a:rPr lang="en-US" sz="2600" i="1"/>
+                          <a:rPr lang="en-US" sz="2600" i="1">
+                            <a:latin typeface="Cambria Math" panose="02040503050406030204" pitchFamily="18" charset="0"/>
+                          </a:rPr>
                           <m:t>𝑔</m:t>
                         </m:r>
                       </m:sub>
@@ -12145,26 +13673,36 @@
                     <m:sSub>
                       <m:sSubPr>
                         <m:ctrlPr>
-                          <a:rPr lang="en-US" sz="2600" i="1"/>
+                          <a:rPr lang="en-US" sz="2600" i="1">
+                            <a:latin typeface="Cambria Math" panose="02040503050406030204" pitchFamily="18" charset="0"/>
+                          </a:rPr>
                         </m:ctrlPr>
                       </m:sSubPr>
                       <m:e>
                         <m:r>
-                          <a:rPr lang="en-US" sz="2600" i="1"/>
+                          <a:rPr lang="en-US" sz="2600" i="1">
+                            <a:latin typeface="Cambria Math" panose="02040503050406030204" pitchFamily="18" charset="0"/>
+                          </a:rPr>
                           <m:t>𝑁</m:t>
                         </m:r>
                       </m:e>
                       <m:sub>
                         <m:r>
-                          <a:rPr lang="en-US" sz="2600" i="1"/>
+                          <a:rPr lang="en-US" sz="2600" i="1">
+                            <a:latin typeface="Cambria Math" panose="02040503050406030204" pitchFamily="18" charset="0"/>
+                          </a:rPr>
                           <m:t>𝑐</m:t>
                         </m:r>
                         <m:r>
-                          <a:rPr lang="en-US" sz="2600" i="1"/>
+                          <a:rPr lang="en-US" sz="2600" i="1">
+                            <a:latin typeface="Cambria Math" panose="02040503050406030204" pitchFamily="18" charset="0"/>
+                          </a:rPr>
                           <m:t>,</m:t>
                         </m:r>
                         <m:r>
-                          <a:rPr lang="en-US" sz="2600" i="1"/>
+                          <a:rPr lang="en-US" sz="2600" i="1">
+                            <a:latin typeface="Cambria Math" panose="02040503050406030204" pitchFamily="18" charset="0"/>
+                          </a:rPr>
                           <m:t>𝑔</m:t>
                         </m:r>
                       </m:sub>
@@ -12193,18 +13731,24 @@
                     <m:sSub>
                       <m:sSubPr>
                         <m:ctrlPr>
-                          <a:rPr lang="en-US" sz="2600" i="1"/>
+                          <a:rPr lang="en-US" sz="2600" i="1">
+                            <a:latin typeface="Cambria Math" panose="02040503050406030204" pitchFamily="18" charset="0"/>
+                          </a:rPr>
                         </m:ctrlPr>
                       </m:sSubPr>
                       <m:e>
                         <m:r>
-                          <a:rPr lang="en-US" sz="2600" i="1"/>
+                          <a:rPr lang="en-US" sz="2600" i="1">
+                            <a:latin typeface="Cambria Math" panose="02040503050406030204" pitchFamily="18" charset="0"/>
+                          </a:rPr>
                           <m:t>𝑈</m:t>
                         </m:r>
                       </m:e>
                       <m:sub>
                         <m:r>
-                          <a:rPr lang="en-US" sz="2600" i="1"/>
+                          <a:rPr lang="en-US" sz="2600" i="1">
+                            <a:latin typeface="Cambria Math" panose="02040503050406030204" pitchFamily="18" charset="0"/>
+                          </a:rPr>
                           <m:t>𝑔</m:t>
                         </m:r>
                       </m:sub>
@@ -12233,51 +13777,69 @@
                     <m:sSub>
                       <m:sSubPr>
                         <m:ctrlPr>
-                          <a:rPr lang="en-US" sz="2600" i="1"/>
+                          <a:rPr lang="en-US" sz="2600" i="1">
+                            <a:latin typeface="Cambria Math" panose="02040503050406030204" pitchFamily="18" charset="0"/>
+                          </a:rPr>
                         </m:ctrlPr>
                       </m:sSubPr>
                       <m:e>
                         <m:r>
-                          <a:rPr lang="en-US" sz="2600" i="1"/>
+                          <a:rPr lang="en-US" sz="2600" i="1">
+                            <a:latin typeface="Cambria Math" panose="02040503050406030204" pitchFamily="18" charset="0"/>
+                          </a:rPr>
                           <m:t>𝜖</m:t>
                         </m:r>
                       </m:e>
                       <m:sub>
                         <m:r>
-                          <a:rPr lang="en-US" sz="2600" i="1"/>
+                          <a:rPr lang="en-US" sz="2600" i="1">
+                            <a:latin typeface="Cambria Math" panose="02040503050406030204" pitchFamily="18" charset="0"/>
+                          </a:rPr>
                           <m:t>2</m:t>
                         </m:r>
                       </m:sub>
                     </m:sSub>
                     <m:r>
-                      <a:rPr lang="en-US" sz="2600" i="1"/>
+                      <a:rPr lang="en-US" sz="2600" i="1">
+                        <a:latin typeface="Cambria Math" panose="02040503050406030204" pitchFamily="18" charset="0"/>
+                      </a:rPr>
                       <m:t>=0.1, </m:t>
                     </m:r>
                     <m:sSub>
                       <m:sSubPr>
                         <m:ctrlPr>
-                          <a:rPr lang="en-US" sz="2600" i="1"/>
+                          <a:rPr lang="en-US" sz="2600" i="1">
+                            <a:latin typeface="Cambria Math" panose="02040503050406030204" pitchFamily="18" charset="0"/>
+                          </a:rPr>
                         </m:ctrlPr>
                       </m:sSubPr>
                       <m:e>
                         <m:r>
-                          <a:rPr lang="en-US" sz="2600" i="1"/>
+                          <a:rPr lang="en-US" sz="2600" i="1">
+                            <a:latin typeface="Cambria Math" panose="02040503050406030204" pitchFamily="18" charset="0"/>
+                          </a:rPr>
                           <m:t> </m:t>
                         </m:r>
                         <m:r>
-                          <a:rPr lang="en-US" sz="2600" i="1"/>
+                          <a:rPr lang="en-US" sz="2600" i="1">
+                            <a:latin typeface="Cambria Math" panose="02040503050406030204" pitchFamily="18" charset="0"/>
+                          </a:rPr>
                           <m:t>𝜖</m:t>
                         </m:r>
                       </m:e>
                       <m:sub>
                         <m:r>
-                          <a:rPr lang="en-US" sz="2600" i="1"/>
+                          <a:rPr lang="en-US" sz="2600" i="1">
+                            <a:latin typeface="Cambria Math" panose="02040503050406030204" pitchFamily="18" charset="0"/>
+                          </a:rPr>
                           <m:t>3</m:t>
                         </m:r>
                       </m:sub>
                     </m:sSub>
                     <m:r>
-                      <a:rPr lang="en-US" sz="2600" i="1"/>
+                      <a:rPr lang="en-US" sz="2600" i="1">
+                        <a:latin typeface="Cambria Math" panose="02040503050406030204" pitchFamily="18" charset="0"/>
+                      </a:rPr>
                       <m:t>=0.001</m:t>
                     </m:r>
                   </m:oMath>
@@ -12291,7 +13853,7 @@
             </p:txBody>
           </p:sp>
         </mc:Choice>
-        <mc:Fallback>
+        <mc:Fallback xmlns="">
           <p:sp>
             <p:nvSpPr>
               <p:cNvPr id="3" name="Content Placeholder 2"/>
